--- a/Vállalkozás hálózat projekt.pptx
+++ b/Vállalkozás hálózat projekt.pptx
@@ -10,6 +10,8 @@
     <p:sldId id="258" r:id="rId4"/>
     <p:sldId id="260" r:id="rId5"/>
     <p:sldId id="259" r:id="rId6"/>
+    <p:sldId id="261" r:id="rId7"/>
+    <p:sldId id="262" r:id="rId8"/>
   </p:sldIdLst>
   <p:sldSz cx="12192000" cy="6858000"/>
   <p:notesSz cx="6858000" cy="9144000"/>
@@ -108,2070 +110,12 @@
       </a:defRPr>
     </a:lvl9pPr>
   </p:defaultTextStyle>
+  <p:extLst>
+    <p:ext uri="{EFAFB233-063F-42B5-8137-9DF3F51BA10A}">
+      <p15:sldGuideLst xmlns:p15="http://schemas.microsoft.com/office/powerpoint/2012/main"/>
+    </p:ext>
+  </p:extLst>
 </p:presentation>
-</file>
-
-<file path=ppt/charts/chart1.xml><?xml version="1.0" encoding="utf-8"?>
-<c:chartSpace xmlns:c="http://schemas.openxmlformats.org/drawingml/2006/chart" xmlns:a="http://schemas.openxmlformats.org/drawingml/2006/main" xmlns:r="http://schemas.openxmlformats.org/officeDocument/2006/relationships" xmlns:c16r2="http://schemas.microsoft.com/office/drawing/2015/06/chart">
-  <c:date1904 val="0"/>
-  <c:lang val="hu-HU"/>
-  <c:roundedCorners val="0"/>
-  <mc:AlternateContent xmlns:mc="http://schemas.openxmlformats.org/markup-compatibility/2006">
-    <mc:Choice xmlns:c14="http://schemas.microsoft.com/office/drawing/2007/8/2/chart" Requires="c14">
-      <c14:style val="102"/>
-    </mc:Choice>
-    <mc:Fallback>
-      <c:style val="2"/>
-    </mc:Fallback>
-  </mc:AlternateContent>
-  <c:chart>
-    <c:title>
-      <c:tx>
-        <c:rich>
-          <a:bodyPr rot="0" spcFirstLastPara="1" vertOverflow="ellipsis" vert="horz" wrap="square" anchor="ctr" anchorCtr="1"/>
-          <a:lstStyle/>
-          <a:p>
-            <a:pPr>
-              <a:defRPr sz="2200" b="1" i="0" u="none" strike="noStrike" kern="1200" cap="all" spc="50" baseline="0">
-                <a:solidFill>
-                  <a:schemeClr val="tx1">
-                    <a:lumMod val="65000"/>
-                    <a:lumOff val="35000"/>
-                  </a:schemeClr>
-                </a:solidFill>
-                <a:latin typeface="+mn-lt"/>
-                <a:ea typeface="+mn-ea"/>
-                <a:cs typeface="+mn-cs"/>
-              </a:defRPr>
-            </a:pPr>
-            <a:r>
-              <a:rPr lang="hu-HU"/>
-              <a:t>Laptopok</a:t>
-            </a:r>
-          </a:p>
-        </c:rich>
-      </c:tx>
-      <c:overlay val="0"/>
-      <c:spPr>
-        <a:noFill/>
-        <a:ln>
-          <a:noFill/>
-        </a:ln>
-        <a:effectLst/>
-      </c:spPr>
-      <c:txPr>
-        <a:bodyPr rot="0" spcFirstLastPara="1" vertOverflow="ellipsis" vert="horz" wrap="square" anchor="ctr" anchorCtr="1"/>
-        <a:lstStyle/>
-        <a:p>
-          <a:pPr>
-            <a:defRPr sz="2200" b="1" i="0" u="none" strike="noStrike" kern="1200" cap="all" spc="50" baseline="0">
-              <a:solidFill>
-                <a:schemeClr val="tx1">
-                  <a:lumMod val="65000"/>
-                  <a:lumOff val="35000"/>
-                </a:schemeClr>
-              </a:solidFill>
-              <a:latin typeface="+mn-lt"/>
-              <a:ea typeface="+mn-ea"/>
-              <a:cs typeface="+mn-cs"/>
-            </a:defRPr>
-          </a:pPr>
-          <a:endParaRPr lang="en-US"/>
-        </a:p>
-      </c:txPr>
-    </c:title>
-    <c:autoTitleDeleted val="0"/>
-    <c:view3D>
-      <c:rotX val="15"/>
-      <c:rotY val="20"/>
-      <c:depthPercent val="100"/>
-      <c:rAngAx val="1"/>
-    </c:view3D>
-    <c:floor>
-      <c:thickness val="0"/>
-      <c:spPr>
-        <a:noFill/>
-        <a:ln>
-          <a:noFill/>
-        </a:ln>
-        <a:effectLst/>
-        <a:sp3d/>
-      </c:spPr>
-    </c:floor>
-    <c:sideWall>
-      <c:thickness val="0"/>
-      <c:spPr>
-        <a:noFill/>
-        <a:ln>
-          <a:noFill/>
-        </a:ln>
-        <a:effectLst/>
-        <a:sp3d/>
-      </c:spPr>
-    </c:sideWall>
-    <c:backWall>
-      <c:thickness val="0"/>
-      <c:spPr>
-        <a:noFill/>
-        <a:ln>
-          <a:noFill/>
-        </a:ln>
-        <a:effectLst/>
-        <a:sp3d/>
-      </c:spPr>
-    </c:backWall>
-    <c:plotArea>
-      <c:layout/>
-      <c:bar3DChart>
-        <c:barDir val="col"/>
-        <c:grouping val="clustered"/>
-        <c:varyColors val="0"/>
-        <c:ser>
-          <c:idx val="0"/>
-          <c:order val="0"/>
-          <c:tx>
-            <c:strRef>
-              <c:f>Munka1!$B$1</c:f>
-              <c:strCache>
-                <c:ptCount val="1"/>
-                <c:pt idx="0">
-                  <c:v>Apple Macbook Pro 669900 Ft</c:v>
-                </c:pt>
-              </c:strCache>
-            </c:strRef>
-          </c:tx>
-          <c:spPr>
-            <a:gradFill>
-              <a:gsLst>
-                <a:gs pos="100000">
-                  <a:schemeClr val="accent1">
-                    <a:alpha val="0"/>
-                  </a:schemeClr>
-                </a:gs>
-                <a:gs pos="50000">
-                  <a:schemeClr val="accent1"/>
-                </a:gs>
-              </a:gsLst>
-              <a:lin ang="5400000" scaled="0"/>
-            </a:gradFill>
-            <a:ln>
-              <a:noFill/>
-            </a:ln>
-            <a:effectLst/>
-            <a:sp3d/>
-          </c:spPr>
-          <c:invertIfNegative val="0"/>
-          <c:cat>
-            <c:strRef>
-              <c:f>Munka1!$A$2</c:f>
-              <c:strCache>
-                <c:ptCount val="1"/>
-                <c:pt idx="0">
-                  <c:v>laptopok</c:v>
-                </c:pt>
-              </c:strCache>
-            </c:strRef>
-          </c:cat>
-          <c:val>
-            <c:numRef>
-              <c:f>Munka1!$B$2</c:f>
-              <c:numCache>
-                <c:formatCode>#,##0</c:formatCode>
-                <c:ptCount val="1"/>
-                <c:pt idx="0">
-                  <c:v>669900</c:v>
-                </c:pt>
-              </c:numCache>
-            </c:numRef>
-          </c:val>
-          <c:extLst>
-            <c:ext xmlns:c16="http://schemas.microsoft.com/office/drawing/2014/chart" uri="{C3380CC4-5D6E-409C-BE32-E72D297353CC}">
-              <c16:uniqueId val="{00000000-DBCB-4FC2-87F6-2B9C0D383C88}"/>
-            </c:ext>
-          </c:extLst>
-        </c:ser>
-        <c:ser>
-          <c:idx val="1"/>
-          <c:order val="1"/>
-          <c:tx>
-            <c:strRef>
-              <c:f>Munka1!$C$1</c:f>
-              <c:strCache>
-                <c:ptCount val="1"/>
-                <c:pt idx="0">
-                  <c:v>Acer Extensa 178 990 Ft</c:v>
-                </c:pt>
-              </c:strCache>
-            </c:strRef>
-          </c:tx>
-          <c:spPr>
-            <a:gradFill>
-              <a:gsLst>
-                <a:gs pos="100000">
-                  <a:schemeClr val="accent2">
-                    <a:alpha val="0"/>
-                  </a:schemeClr>
-                </a:gs>
-                <a:gs pos="50000">
-                  <a:schemeClr val="accent2"/>
-                </a:gs>
-              </a:gsLst>
-              <a:lin ang="5400000" scaled="0"/>
-            </a:gradFill>
-            <a:ln>
-              <a:noFill/>
-            </a:ln>
-            <a:effectLst/>
-            <a:sp3d/>
-          </c:spPr>
-          <c:invertIfNegative val="0"/>
-          <c:cat>
-            <c:strRef>
-              <c:f>Munka1!$A$2</c:f>
-              <c:strCache>
-                <c:ptCount val="1"/>
-                <c:pt idx="0">
-                  <c:v>laptopok</c:v>
-                </c:pt>
-              </c:strCache>
-            </c:strRef>
-          </c:cat>
-          <c:val>
-            <c:numRef>
-              <c:f>Munka1!$C$2</c:f>
-              <c:numCache>
-                <c:formatCode>#,##0</c:formatCode>
-                <c:ptCount val="1"/>
-                <c:pt idx="0">
-                  <c:v>178990</c:v>
-                </c:pt>
-              </c:numCache>
-            </c:numRef>
-          </c:val>
-          <c:extLst>
-            <c:ext xmlns:c16="http://schemas.microsoft.com/office/drawing/2014/chart" uri="{C3380CC4-5D6E-409C-BE32-E72D297353CC}">
-              <c16:uniqueId val="{00000001-DBCB-4FC2-87F6-2B9C0D383C88}"/>
-            </c:ext>
-          </c:extLst>
-        </c:ser>
-        <c:dLbls>
-          <c:showLegendKey val="0"/>
-          <c:showVal val="0"/>
-          <c:showCatName val="0"/>
-          <c:showSerName val="0"/>
-          <c:showPercent val="0"/>
-          <c:showBubbleSize val="0"/>
-        </c:dLbls>
-        <c:gapWidth val="150"/>
-        <c:gapDepth val="0"/>
-        <c:shape val="box"/>
-        <c:axId val="318182367"/>
-        <c:axId val="286371567"/>
-        <c:axId val="0"/>
-      </c:bar3DChart>
-      <c:catAx>
-        <c:axId val="318182367"/>
-        <c:scaling>
-          <c:orientation val="minMax"/>
-        </c:scaling>
-        <c:delete val="0"/>
-        <c:axPos val="b"/>
-        <c:numFmt formatCode="General" sourceLinked="1"/>
-        <c:majorTickMark val="none"/>
-        <c:minorTickMark val="none"/>
-        <c:tickLblPos val="nextTo"/>
-        <c:spPr>
-          <a:noFill/>
-          <a:ln>
-            <a:noFill/>
-          </a:ln>
-          <a:effectLst/>
-        </c:spPr>
-        <c:txPr>
-          <a:bodyPr rot="-60000000" spcFirstLastPara="1" vertOverflow="ellipsis" vert="horz" wrap="square" anchor="ctr" anchorCtr="1"/>
-          <a:lstStyle/>
-          <a:p>
-            <a:pPr>
-              <a:defRPr sz="1197" b="0" i="0" u="none" strike="noStrike" kern="1200" baseline="0">
-                <a:solidFill>
-                  <a:schemeClr val="tx1">
-                    <a:lumMod val="65000"/>
-                    <a:lumOff val="35000"/>
-                  </a:schemeClr>
-                </a:solidFill>
-                <a:latin typeface="+mn-lt"/>
-                <a:ea typeface="+mn-ea"/>
-                <a:cs typeface="+mn-cs"/>
-              </a:defRPr>
-            </a:pPr>
-            <a:endParaRPr lang="en-US"/>
-          </a:p>
-        </c:txPr>
-        <c:crossAx val="286371567"/>
-        <c:crosses val="autoZero"/>
-        <c:auto val="1"/>
-        <c:lblAlgn val="ctr"/>
-        <c:lblOffset val="100"/>
-        <c:noMultiLvlLbl val="0"/>
-      </c:catAx>
-      <c:valAx>
-        <c:axId val="286371567"/>
-        <c:scaling>
-          <c:orientation val="minMax"/>
-        </c:scaling>
-        <c:delete val="0"/>
-        <c:axPos val="l"/>
-        <c:majorGridlines>
-          <c:spPr>
-            <a:ln w="9525" cap="flat" cmpd="sng" algn="ctr">
-              <a:solidFill>
-                <a:schemeClr val="tx1">
-                  <a:lumMod val="5000"/>
-                  <a:lumOff val="95000"/>
-                </a:schemeClr>
-              </a:solidFill>
-              <a:round/>
-            </a:ln>
-            <a:effectLst/>
-          </c:spPr>
-        </c:majorGridlines>
-        <c:numFmt formatCode="#,##0" sourceLinked="1"/>
-        <c:majorTickMark val="none"/>
-        <c:minorTickMark val="none"/>
-        <c:tickLblPos val="nextTo"/>
-        <c:spPr>
-          <a:noFill/>
-          <a:ln>
-            <a:noFill/>
-          </a:ln>
-          <a:effectLst/>
-        </c:spPr>
-        <c:txPr>
-          <a:bodyPr rot="-60000000" spcFirstLastPara="1" vertOverflow="ellipsis" vert="horz" wrap="square" anchor="ctr" anchorCtr="1"/>
-          <a:lstStyle/>
-          <a:p>
-            <a:pPr>
-              <a:defRPr sz="1197" b="0" i="0" u="none" strike="noStrike" kern="1200" baseline="0">
-                <a:solidFill>
-                  <a:schemeClr val="tx1">
-                    <a:lumMod val="65000"/>
-                    <a:lumOff val="35000"/>
-                  </a:schemeClr>
-                </a:solidFill>
-                <a:latin typeface="+mn-lt"/>
-                <a:ea typeface="+mn-ea"/>
-                <a:cs typeface="+mn-cs"/>
-              </a:defRPr>
-            </a:pPr>
-            <a:endParaRPr lang="en-US"/>
-          </a:p>
-        </c:txPr>
-        <c:crossAx val="318182367"/>
-        <c:crosses val="autoZero"/>
-        <c:crossBetween val="between"/>
-      </c:valAx>
-      <c:spPr>
-        <a:noFill/>
-        <a:ln>
-          <a:noFill/>
-        </a:ln>
-        <a:effectLst/>
-      </c:spPr>
-    </c:plotArea>
-    <c:legend>
-      <c:legendPos val="b"/>
-      <c:overlay val="0"/>
-      <c:spPr>
-        <a:noFill/>
-        <a:ln>
-          <a:noFill/>
-        </a:ln>
-        <a:effectLst/>
-      </c:spPr>
-      <c:txPr>
-        <a:bodyPr rot="0" spcFirstLastPara="1" vertOverflow="ellipsis" vert="horz" wrap="square" anchor="ctr" anchorCtr="1"/>
-        <a:lstStyle/>
-        <a:p>
-          <a:pPr>
-            <a:defRPr sz="1197" b="0" i="0" u="none" strike="noStrike" kern="1200" baseline="0">
-              <a:solidFill>
-                <a:schemeClr val="tx1">
-                  <a:lumMod val="65000"/>
-                  <a:lumOff val="35000"/>
-                </a:schemeClr>
-              </a:solidFill>
-              <a:latin typeface="+mn-lt"/>
-              <a:ea typeface="+mn-ea"/>
-              <a:cs typeface="+mn-cs"/>
-            </a:defRPr>
-          </a:pPr>
-          <a:endParaRPr lang="en-US"/>
-        </a:p>
-      </c:txPr>
-    </c:legend>
-    <c:plotVisOnly val="1"/>
-    <c:dispBlanksAs val="gap"/>
-    <c:extLst>
-      <c:ext xmlns:c16r3="http://schemas.microsoft.com/office/drawing/2017/03/chart" uri="{56B9EC1D-385E-4148-901F-78D8002777C0}">
-        <c16r3:dataDisplayOptions16>
-          <c16r3:dispNaAsBlank val="1"/>
-        </c16r3:dataDisplayOptions16>
-      </c:ext>
-    </c:extLst>
-    <c:showDLblsOverMax val="0"/>
-  </c:chart>
-  <c:spPr>
-    <a:noFill/>
-    <a:ln>
-      <a:noFill/>
-    </a:ln>
-    <a:effectLst/>
-  </c:spPr>
-  <c:txPr>
-    <a:bodyPr/>
-    <a:lstStyle/>
-    <a:p>
-      <a:pPr>
-        <a:defRPr/>
-      </a:pPr>
-      <a:endParaRPr lang="en-US"/>
-    </a:p>
-  </c:txPr>
-  <c:externalData r:id="rId3">
-    <c:autoUpdate val="0"/>
-  </c:externalData>
-</c:chartSpace>
-</file>
-
-<file path=ppt/charts/chart2.xml><?xml version="1.0" encoding="utf-8"?>
-<c:chartSpace xmlns:c="http://schemas.openxmlformats.org/drawingml/2006/chart" xmlns:a="http://schemas.openxmlformats.org/drawingml/2006/main" xmlns:r="http://schemas.openxmlformats.org/officeDocument/2006/relationships" xmlns:c16r2="http://schemas.microsoft.com/office/drawing/2015/06/chart">
-  <c:date1904 val="0"/>
-  <c:lang val="hu-HU"/>
-  <c:roundedCorners val="0"/>
-  <mc:AlternateContent xmlns:mc="http://schemas.openxmlformats.org/markup-compatibility/2006">
-    <mc:Choice xmlns:c14="http://schemas.microsoft.com/office/drawing/2007/8/2/chart" Requires="c14">
-      <c14:style val="102"/>
-    </mc:Choice>
-    <mc:Fallback>
-      <c:style val="2"/>
-    </mc:Fallback>
-  </mc:AlternateContent>
-  <c:chart>
-    <c:title>
-      <c:tx>
-        <c:rich>
-          <a:bodyPr rot="0" spcFirstLastPara="1" vertOverflow="ellipsis" vert="horz" wrap="square" anchor="ctr" anchorCtr="1"/>
-          <a:lstStyle/>
-          <a:p>
-            <a:pPr>
-              <a:defRPr sz="2200" b="1" i="0" u="none" strike="noStrike" kern="1200" cap="all" spc="50" baseline="0">
-                <a:solidFill>
-                  <a:schemeClr val="tx1">
-                    <a:lumMod val="65000"/>
-                    <a:lumOff val="35000"/>
-                  </a:schemeClr>
-                </a:solidFill>
-                <a:latin typeface="+mn-lt"/>
-                <a:ea typeface="+mn-ea"/>
-                <a:cs typeface="+mn-cs"/>
-              </a:defRPr>
-            </a:pPr>
-            <a:r>
-              <a:rPr lang="hu-HU" dirty="0"/>
-              <a:t>Asztali</a:t>
-            </a:r>
-            <a:r>
-              <a:rPr lang="hu-HU" baseline="0" dirty="0"/>
-              <a:t> gépek</a:t>
-            </a:r>
-            <a:endParaRPr lang="hu-HU" dirty="0"/>
-          </a:p>
-        </c:rich>
-      </c:tx>
-      <c:layout>
-        <c:manualLayout>
-          <c:xMode val="edge"/>
-          <c:yMode val="edge"/>
-          <c:x val="0.14158699561431878"/>
-          <c:y val="3.5948354386237044E-2"/>
-        </c:manualLayout>
-      </c:layout>
-      <c:overlay val="0"/>
-      <c:spPr>
-        <a:noFill/>
-        <a:ln>
-          <a:noFill/>
-        </a:ln>
-        <a:effectLst/>
-      </c:spPr>
-      <c:txPr>
-        <a:bodyPr rot="0" spcFirstLastPara="1" vertOverflow="ellipsis" vert="horz" wrap="square" anchor="ctr" anchorCtr="1"/>
-        <a:lstStyle/>
-        <a:p>
-          <a:pPr>
-            <a:defRPr sz="2200" b="1" i="0" u="none" strike="noStrike" kern="1200" cap="all" spc="50" baseline="0">
-              <a:solidFill>
-                <a:schemeClr val="tx1">
-                  <a:lumMod val="65000"/>
-                  <a:lumOff val="35000"/>
-                </a:schemeClr>
-              </a:solidFill>
-              <a:latin typeface="+mn-lt"/>
-              <a:ea typeface="+mn-ea"/>
-              <a:cs typeface="+mn-cs"/>
-            </a:defRPr>
-          </a:pPr>
-          <a:endParaRPr lang="en-US"/>
-        </a:p>
-      </c:txPr>
-    </c:title>
-    <c:autoTitleDeleted val="0"/>
-    <c:view3D>
-      <c:rotX val="15"/>
-      <c:rotY val="20"/>
-      <c:depthPercent val="100"/>
-      <c:rAngAx val="1"/>
-    </c:view3D>
-    <c:floor>
-      <c:thickness val="0"/>
-      <c:spPr>
-        <a:noFill/>
-        <a:ln>
-          <a:noFill/>
-        </a:ln>
-        <a:effectLst/>
-        <a:sp3d/>
-      </c:spPr>
-    </c:floor>
-    <c:sideWall>
-      <c:thickness val="0"/>
-      <c:spPr>
-        <a:noFill/>
-        <a:ln>
-          <a:noFill/>
-        </a:ln>
-        <a:effectLst/>
-        <a:sp3d/>
-      </c:spPr>
-    </c:sideWall>
-    <c:backWall>
-      <c:thickness val="0"/>
-      <c:spPr>
-        <a:noFill/>
-        <a:ln>
-          <a:noFill/>
-        </a:ln>
-        <a:effectLst/>
-        <a:sp3d/>
-      </c:spPr>
-    </c:backWall>
-    <c:plotArea>
-      <c:layout/>
-      <c:bar3DChart>
-        <c:barDir val="col"/>
-        <c:grouping val="clustered"/>
-        <c:varyColors val="0"/>
-        <c:ser>
-          <c:idx val="0"/>
-          <c:order val="0"/>
-          <c:tx>
-            <c:strRef>
-              <c:f>Munka1!$B$1</c:f>
-              <c:strCache>
-                <c:ptCount val="1"/>
-                <c:pt idx="0">
-                  <c:v>3D modellező gép 1,053,110 Ft</c:v>
-                </c:pt>
-              </c:strCache>
-            </c:strRef>
-          </c:tx>
-          <c:spPr>
-            <a:gradFill>
-              <a:gsLst>
-                <a:gs pos="100000">
-                  <a:schemeClr val="accent1">
-                    <a:alpha val="0"/>
-                  </a:schemeClr>
-                </a:gs>
-                <a:gs pos="50000">
-                  <a:schemeClr val="accent1"/>
-                </a:gs>
-              </a:gsLst>
-              <a:lin ang="5400000" scaled="0"/>
-            </a:gradFill>
-            <a:ln>
-              <a:noFill/>
-            </a:ln>
-            <a:effectLst/>
-            <a:sp3d/>
-          </c:spPr>
-          <c:invertIfNegative val="0"/>
-          <c:cat>
-            <c:strRef>
-              <c:f>Munka1!$A$2</c:f>
-              <c:strCache>
-                <c:ptCount val="1"/>
-                <c:pt idx="0">
-                  <c:v>lPc-k</c:v>
-                </c:pt>
-              </c:strCache>
-            </c:strRef>
-          </c:cat>
-          <c:val>
-            <c:numRef>
-              <c:f>Munka1!$B$2</c:f>
-              <c:numCache>
-                <c:formatCode>#,##0</c:formatCode>
-                <c:ptCount val="1"/>
-                <c:pt idx="0">
-                  <c:v>1053110</c:v>
-                </c:pt>
-              </c:numCache>
-            </c:numRef>
-          </c:val>
-          <c:extLst>
-            <c:ext xmlns:c16="http://schemas.microsoft.com/office/drawing/2014/chart" uri="{C3380CC4-5D6E-409C-BE32-E72D297353CC}">
-              <c16:uniqueId val="{00000000-03F1-4516-A56B-FB3A98E5891F}"/>
-            </c:ext>
-          </c:extLst>
-        </c:ser>
-        <c:ser>
-          <c:idx val="1"/>
-          <c:order val="1"/>
-          <c:tx>
-            <c:strRef>
-              <c:f>Munka1!$C$1</c:f>
-              <c:strCache>
-                <c:ptCount val="1"/>
-                <c:pt idx="0">
-                  <c:v>Office pc 193,839 Ft</c:v>
-                </c:pt>
-              </c:strCache>
-            </c:strRef>
-          </c:tx>
-          <c:spPr>
-            <a:gradFill>
-              <a:gsLst>
-                <a:gs pos="100000">
-                  <a:schemeClr val="accent2">
-                    <a:alpha val="0"/>
-                  </a:schemeClr>
-                </a:gs>
-                <a:gs pos="50000">
-                  <a:schemeClr val="accent2"/>
-                </a:gs>
-              </a:gsLst>
-              <a:lin ang="5400000" scaled="0"/>
-            </a:gradFill>
-            <a:ln>
-              <a:noFill/>
-            </a:ln>
-            <a:effectLst/>
-            <a:sp3d/>
-          </c:spPr>
-          <c:invertIfNegative val="0"/>
-          <c:cat>
-            <c:strRef>
-              <c:f>Munka1!$A$2</c:f>
-              <c:strCache>
-                <c:ptCount val="1"/>
-                <c:pt idx="0">
-                  <c:v>lPc-k</c:v>
-                </c:pt>
-              </c:strCache>
-            </c:strRef>
-          </c:cat>
-          <c:val>
-            <c:numRef>
-              <c:f>Munka1!$C$2</c:f>
-              <c:numCache>
-                <c:formatCode>#,##0</c:formatCode>
-                <c:ptCount val="1"/>
-                <c:pt idx="0">
-                  <c:v>193839</c:v>
-                </c:pt>
-              </c:numCache>
-            </c:numRef>
-          </c:val>
-          <c:extLst>
-            <c:ext xmlns:c16="http://schemas.microsoft.com/office/drawing/2014/chart" uri="{C3380CC4-5D6E-409C-BE32-E72D297353CC}">
-              <c16:uniqueId val="{00000001-03F1-4516-A56B-FB3A98E5891F}"/>
-            </c:ext>
-          </c:extLst>
-        </c:ser>
-        <c:dLbls>
-          <c:showLegendKey val="0"/>
-          <c:showVal val="0"/>
-          <c:showCatName val="0"/>
-          <c:showSerName val="0"/>
-          <c:showPercent val="0"/>
-          <c:showBubbleSize val="0"/>
-        </c:dLbls>
-        <c:gapWidth val="150"/>
-        <c:gapDepth val="0"/>
-        <c:shape val="box"/>
-        <c:axId val="318182367"/>
-        <c:axId val="286371567"/>
-        <c:axId val="0"/>
-      </c:bar3DChart>
-      <c:catAx>
-        <c:axId val="318182367"/>
-        <c:scaling>
-          <c:orientation val="minMax"/>
-        </c:scaling>
-        <c:delete val="0"/>
-        <c:axPos val="b"/>
-        <c:numFmt formatCode="General" sourceLinked="1"/>
-        <c:majorTickMark val="none"/>
-        <c:minorTickMark val="none"/>
-        <c:tickLblPos val="nextTo"/>
-        <c:spPr>
-          <a:noFill/>
-          <a:ln>
-            <a:noFill/>
-          </a:ln>
-          <a:effectLst/>
-        </c:spPr>
-        <c:txPr>
-          <a:bodyPr rot="-60000000" spcFirstLastPara="1" vertOverflow="ellipsis" vert="horz" wrap="square" anchor="ctr" anchorCtr="1"/>
-          <a:lstStyle/>
-          <a:p>
-            <a:pPr>
-              <a:defRPr sz="1197" b="0" i="0" u="none" strike="noStrike" kern="1200" baseline="0">
-                <a:solidFill>
-                  <a:schemeClr val="tx1">
-                    <a:lumMod val="65000"/>
-                    <a:lumOff val="35000"/>
-                  </a:schemeClr>
-                </a:solidFill>
-                <a:latin typeface="+mn-lt"/>
-                <a:ea typeface="+mn-ea"/>
-                <a:cs typeface="+mn-cs"/>
-              </a:defRPr>
-            </a:pPr>
-            <a:endParaRPr lang="en-US"/>
-          </a:p>
-        </c:txPr>
-        <c:crossAx val="286371567"/>
-        <c:crosses val="autoZero"/>
-        <c:auto val="1"/>
-        <c:lblAlgn val="ctr"/>
-        <c:lblOffset val="100"/>
-        <c:noMultiLvlLbl val="0"/>
-      </c:catAx>
-      <c:valAx>
-        <c:axId val="286371567"/>
-        <c:scaling>
-          <c:orientation val="minMax"/>
-        </c:scaling>
-        <c:delete val="0"/>
-        <c:axPos val="l"/>
-        <c:majorGridlines>
-          <c:spPr>
-            <a:ln w="9525" cap="flat" cmpd="sng" algn="ctr">
-              <a:solidFill>
-                <a:schemeClr val="tx1">
-                  <a:lumMod val="5000"/>
-                  <a:lumOff val="95000"/>
-                </a:schemeClr>
-              </a:solidFill>
-              <a:round/>
-            </a:ln>
-            <a:effectLst/>
-          </c:spPr>
-        </c:majorGridlines>
-        <c:numFmt formatCode="#,##0" sourceLinked="1"/>
-        <c:majorTickMark val="none"/>
-        <c:minorTickMark val="none"/>
-        <c:tickLblPos val="nextTo"/>
-        <c:spPr>
-          <a:noFill/>
-          <a:ln>
-            <a:noFill/>
-          </a:ln>
-          <a:effectLst/>
-        </c:spPr>
-        <c:txPr>
-          <a:bodyPr rot="-60000000" spcFirstLastPara="1" vertOverflow="ellipsis" vert="horz" wrap="square" anchor="ctr" anchorCtr="1"/>
-          <a:lstStyle/>
-          <a:p>
-            <a:pPr>
-              <a:defRPr sz="1197" b="0" i="0" u="none" strike="noStrike" kern="1200" baseline="0">
-                <a:solidFill>
-                  <a:schemeClr val="tx1">
-                    <a:lumMod val="65000"/>
-                    <a:lumOff val="35000"/>
-                  </a:schemeClr>
-                </a:solidFill>
-                <a:latin typeface="+mn-lt"/>
-                <a:ea typeface="+mn-ea"/>
-                <a:cs typeface="+mn-cs"/>
-              </a:defRPr>
-            </a:pPr>
-            <a:endParaRPr lang="en-US"/>
-          </a:p>
-        </c:txPr>
-        <c:crossAx val="318182367"/>
-        <c:crosses val="autoZero"/>
-        <c:crossBetween val="between"/>
-      </c:valAx>
-      <c:spPr>
-        <a:noFill/>
-        <a:ln>
-          <a:noFill/>
-        </a:ln>
-        <a:effectLst/>
-      </c:spPr>
-    </c:plotArea>
-    <c:legend>
-      <c:legendPos val="b"/>
-      <c:overlay val="0"/>
-      <c:spPr>
-        <a:noFill/>
-        <a:ln>
-          <a:noFill/>
-        </a:ln>
-        <a:effectLst/>
-      </c:spPr>
-      <c:txPr>
-        <a:bodyPr rot="0" spcFirstLastPara="1" vertOverflow="ellipsis" vert="horz" wrap="square" anchor="ctr" anchorCtr="1"/>
-        <a:lstStyle/>
-        <a:p>
-          <a:pPr>
-            <a:defRPr sz="1197" b="0" i="0" u="none" strike="noStrike" kern="1200" baseline="0">
-              <a:solidFill>
-                <a:schemeClr val="tx1">
-                  <a:lumMod val="65000"/>
-                  <a:lumOff val="35000"/>
-                </a:schemeClr>
-              </a:solidFill>
-              <a:latin typeface="+mn-lt"/>
-              <a:ea typeface="+mn-ea"/>
-              <a:cs typeface="+mn-cs"/>
-            </a:defRPr>
-          </a:pPr>
-          <a:endParaRPr lang="en-US"/>
-        </a:p>
-      </c:txPr>
-    </c:legend>
-    <c:plotVisOnly val="1"/>
-    <c:dispBlanksAs val="gap"/>
-    <c:extLst>
-      <c:ext xmlns:c16r3="http://schemas.microsoft.com/office/drawing/2017/03/chart" uri="{56B9EC1D-385E-4148-901F-78D8002777C0}">
-        <c16r3:dataDisplayOptions16>
-          <c16r3:dispNaAsBlank val="1"/>
-        </c16r3:dataDisplayOptions16>
-      </c:ext>
-    </c:extLst>
-    <c:showDLblsOverMax val="0"/>
-  </c:chart>
-  <c:spPr>
-    <a:noFill/>
-    <a:ln>
-      <a:noFill/>
-    </a:ln>
-    <a:effectLst/>
-  </c:spPr>
-  <c:txPr>
-    <a:bodyPr/>
-    <a:lstStyle/>
-    <a:p>
-      <a:pPr>
-        <a:defRPr/>
-      </a:pPr>
-      <a:endParaRPr lang="en-US"/>
-    </a:p>
-  </c:txPr>
-  <c:externalData r:id="rId3">
-    <c:autoUpdate val="0"/>
-  </c:externalData>
-</c:chartSpace>
-</file>
-
-<file path=ppt/charts/colors1.xml><?xml version="1.0" encoding="utf-8"?>
-<cs:colorStyle xmlns:cs="http://schemas.microsoft.com/office/drawing/2012/chartStyle" xmlns:a="http://schemas.openxmlformats.org/drawingml/2006/main" meth="cycle" id="10">
-  <a:schemeClr val="accent1"/>
-  <a:schemeClr val="accent2"/>
-  <a:schemeClr val="accent3"/>
-  <a:schemeClr val="accent4"/>
-  <a:schemeClr val="accent5"/>
-  <a:schemeClr val="accent6"/>
-  <cs:variation/>
-  <cs:variation>
-    <a:lumMod val="60000"/>
-  </cs:variation>
-  <cs:variation>
-    <a:lumMod val="80000"/>
-    <a:lumOff val="20000"/>
-  </cs:variation>
-  <cs:variation>
-    <a:lumMod val="80000"/>
-  </cs:variation>
-  <cs:variation>
-    <a:lumMod val="60000"/>
-    <a:lumOff val="40000"/>
-  </cs:variation>
-  <cs:variation>
-    <a:lumMod val="50000"/>
-  </cs:variation>
-  <cs:variation>
-    <a:lumMod val="70000"/>
-    <a:lumOff val="30000"/>
-  </cs:variation>
-  <cs:variation>
-    <a:lumMod val="70000"/>
-  </cs:variation>
-  <cs:variation>
-    <a:lumMod val="50000"/>
-    <a:lumOff val="50000"/>
-  </cs:variation>
-</cs:colorStyle>
-</file>
-
-<file path=ppt/charts/colors2.xml><?xml version="1.0" encoding="utf-8"?>
-<cs:colorStyle xmlns:cs="http://schemas.microsoft.com/office/drawing/2012/chartStyle" xmlns:a="http://schemas.openxmlformats.org/drawingml/2006/main" meth="cycle" id="10">
-  <a:schemeClr val="accent1"/>
-  <a:schemeClr val="accent2"/>
-  <a:schemeClr val="accent3"/>
-  <a:schemeClr val="accent4"/>
-  <a:schemeClr val="accent5"/>
-  <a:schemeClr val="accent6"/>
-  <cs:variation/>
-  <cs:variation>
-    <a:lumMod val="60000"/>
-  </cs:variation>
-  <cs:variation>
-    <a:lumMod val="80000"/>
-    <a:lumOff val="20000"/>
-  </cs:variation>
-  <cs:variation>
-    <a:lumMod val="80000"/>
-  </cs:variation>
-  <cs:variation>
-    <a:lumMod val="60000"/>
-    <a:lumOff val="40000"/>
-  </cs:variation>
-  <cs:variation>
-    <a:lumMod val="50000"/>
-  </cs:variation>
-  <cs:variation>
-    <a:lumMod val="70000"/>
-    <a:lumOff val="30000"/>
-  </cs:variation>
-  <cs:variation>
-    <a:lumMod val="70000"/>
-  </cs:variation>
-  <cs:variation>
-    <a:lumMod val="50000"/>
-    <a:lumOff val="50000"/>
-  </cs:variation>
-</cs:colorStyle>
-</file>
-
-<file path=ppt/charts/style1.xml><?xml version="1.0" encoding="utf-8"?>
-<cs:chartStyle xmlns:cs="http://schemas.microsoft.com/office/drawing/2012/chartStyle" xmlns:a="http://schemas.openxmlformats.org/drawingml/2006/main" id="293">
-  <cs:axisTitle>
-    <cs:lnRef idx="0"/>
-    <cs:fillRef idx="0"/>
-    <cs:effectRef idx="0"/>
-    <cs:fontRef idx="minor">
-      <a:schemeClr val="tx1">
-        <a:lumMod val="65000"/>
-        <a:lumOff val="35000"/>
-      </a:schemeClr>
-    </cs:fontRef>
-    <cs:defRPr sz="1197" kern="1200" cap="all"/>
-  </cs:axisTitle>
-  <cs:categoryAxis>
-    <cs:lnRef idx="0"/>
-    <cs:fillRef idx="0"/>
-    <cs:effectRef idx="0"/>
-    <cs:fontRef idx="minor">
-      <a:schemeClr val="tx1">
-        <a:lumMod val="65000"/>
-        <a:lumOff val="35000"/>
-      </a:schemeClr>
-    </cs:fontRef>
-    <cs:spPr/>
-    <cs:defRPr sz="1197" kern="1200"/>
-  </cs:categoryAxis>
-  <cs:chartArea mods="allowNoFillOverride allowNoLineOverride">
-    <cs:lnRef idx="0"/>
-    <cs:fillRef idx="0"/>
-    <cs:effectRef idx="0"/>
-    <cs:fontRef idx="minor">
-      <a:schemeClr val="dk1"/>
-    </cs:fontRef>
-    <cs:spPr>
-      <a:solidFill>
-        <a:schemeClr val="bg1"/>
-      </a:solidFill>
-      <a:ln w="9525" cap="flat" cmpd="sng" algn="ctr">
-        <a:solidFill>
-          <a:schemeClr val="tx1">
-            <a:lumMod val="15000"/>
-            <a:lumOff val="85000"/>
-          </a:schemeClr>
-        </a:solidFill>
-        <a:round/>
-      </a:ln>
-    </cs:spPr>
-    <cs:defRPr sz="1197" kern="1200"/>
-  </cs:chartArea>
-  <cs:dataLabel>
-    <cs:lnRef idx="0"/>
-    <cs:fillRef idx="0"/>
-    <cs:effectRef idx="0"/>
-    <cs:fontRef idx="minor">
-      <a:schemeClr val="tx1">
-        <a:lumMod val="75000"/>
-        <a:lumOff val="25000"/>
-      </a:schemeClr>
-    </cs:fontRef>
-    <cs:defRPr sz="1197" kern="1200"/>
-  </cs:dataLabel>
-  <cs:dataLabelCallout>
-    <cs:lnRef idx="0"/>
-    <cs:fillRef idx="0"/>
-    <cs:effectRef idx="0"/>
-    <cs:fontRef idx="minor">
-      <a:schemeClr val="bg1"/>
-    </cs:fontRef>
-    <cs:spPr>
-      <a:solidFill>
-        <a:schemeClr val="tx1">
-          <a:lumMod val="50000"/>
-          <a:lumOff val="50000"/>
-        </a:schemeClr>
-      </a:solidFill>
-    </cs:spPr>
-    <cs:defRPr sz="1197" kern="1200"/>
-    <cs:bodyPr rot="0" spcFirstLastPara="1" vertOverflow="clip" horzOverflow="clip" vert="horz" wrap="square" lIns="36576" tIns="18288" rIns="36576" bIns="18288" anchor="ctr" anchorCtr="1">
-      <a:spAutoFit/>
-    </cs:bodyPr>
-  </cs:dataLabelCallout>
-  <cs:dataPoint>
-    <cs:lnRef idx="0"/>
-    <cs:fillRef idx="0">
-      <cs:styleClr val="auto"/>
-    </cs:fillRef>
-    <cs:effectRef idx="0"/>
-    <cs:fontRef idx="minor">
-      <a:schemeClr val="dk1"/>
-    </cs:fontRef>
-    <cs:spPr>
-      <a:gradFill flip="none" rotWithShape="1">
-        <a:gsLst>
-          <a:gs pos="0">
-            <a:schemeClr val="phClr"/>
-          </a:gs>
-          <a:gs pos="75000">
-            <a:schemeClr val="phClr">
-              <a:lumMod val="60000"/>
-              <a:lumOff val="40000"/>
-            </a:schemeClr>
-          </a:gs>
-          <a:gs pos="51000">
-            <a:schemeClr val="phClr">
-              <a:alpha val="75000"/>
-            </a:schemeClr>
-          </a:gs>
-          <a:gs pos="100000">
-            <a:schemeClr val="phClr">
-              <a:lumMod val="20000"/>
-              <a:lumOff val="80000"/>
-              <a:alpha val="15000"/>
-            </a:schemeClr>
-          </a:gs>
-        </a:gsLst>
-        <a:lin ang="5400000" scaled="0"/>
-      </a:gradFill>
-    </cs:spPr>
-  </cs:dataPoint>
-  <cs:dataPoint3D>
-    <cs:lnRef idx="0"/>
-    <cs:fillRef idx="0">
-      <cs:styleClr val="auto"/>
-    </cs:fillRef>
-    <cs:effectRef idx="0"/>
-    <cs:fontRef idx="minor">
-      <a:schemeClr val="tx1"/>
-    </cs:fontRef>
-    <cs:spPr>
-      <a:gradFill>
-        <a:gsLst>
-          <a:gs pos="100000">
-            <a:schemeClr val="phClr">
-              <a:alpha val="0"/>
-            </a:schemeClr>
-          </a:gs>
-          <a:gs pos="50000">
-            <a:schemeClr val="phClr"/>
-          </a:gs>
-        </a:gsLst>
-        <a:lin ang="5400000" scaled="0"/>
-      </a:gradFill>
-      <a:sp3d/>
-    </cs:spPr>
-  </cs:dataPoint3D>
-  <cs:dataPointLine>
-    <cs:lnRef idx="0">
-      <cs:styleClr val="auto"/>
-    </cs:lnRef>
-    <cs:fillRef idx="0"/>
-    <cs:effectRef idx="0"/>
-    <cs:fontRef idx="minor">
-      <a:schemeClr val="dk1"/>
-    </cs:fontRef>
-    <cs:spPr>
-      <a:ln w="28575" cap="rnd">
-        <a:solidFill>
-          <a:schemeClr val="phClr"/>
-        </a:solidFill>
-        <a:round/>
-      </a:ln>
-    </cs:spPr>
-  </cs:dataPointLine>
-  <cs:dataPointMarker>
-    <cs:lnRef idx="0">
-      <cs:styleClr val="auto"/>
-    </cs:lnRef>
-    <cs:fillRef idx="0">
-      <cs:styleClr val="auto"/>
-    </cs:fillRef>
-    <cs:effectRef idx="0"/>
-    <cs:fontRef idx="minor">
-      <a:schemeClr val="dk1"/>
-    </cs:fontRef>
-    <cs:spPr>
-      <a:gradFill flip="none" rotWithShape="1">
-        <a:gsLst>
-          <a:gs pos="0">
-            <a:schemeClr val="phClr"/>
-          </a:gs>
-          <a:gs pos="75000">
-            <a:schemeClr val="phClr">
-              <a:lumMod val="60000"/>
-              <a:lumOff val="40000"/>
-            </a:schemeClr>
-          </a:gs>
-          <a:gs pos="51000">
-            <a:schemeClr val="phClr">
-              <a:alpha val="75000"/>
-            </a:schemeClr>
-          </a:gs>
-          <a:gs pos="100000">
-            <a:schemeClr val="phClr">
-              <a:lumMod val="20000"/>
-              <a:lumOff val="80000"/>
-              <a:alpha val="15000"/>
-            </a:schemeClr>
-          </a:gs>
-        </a:gsLst>
-        <a:lin ang="5400000" scaled="0"/>
-      </a:gradFill>
-      <a:ln w="9525" cap="flat" cmpd="sng" algn="ctr">
-        <a:solidFill>
-          <a:schemeClr val="phClr">
-            <a:shade val="95000"/>
-          </a:schemeClr>
-        </a:solidFill>
-        <a:round/>
-      </a:ln>
-    </cs:spPr>
-  </cs:dataPointMarker>
-  <cs:dataPointMarkerLayout symbol="circle" size="6"/>
-  <cs:dataPointWireframe>
-    <cs:lnRef idx="0">
-      <cs:styleClr val="auto"/>
-    </cs:lnRef>
-    <cs:fillRef idx="0"/>
-    <cs:effectRef idx="0"/>
-    <cs:fontRef idx="minor">
-      <a:schemeClr val="dk1"/>
-    </cs:fontRef>
-    <cs:spPr>
-      <a:ln w="9525" cap="rnd">
-        <a:solidFill>
-          <a:schemeClr val="phClr"/>
-        </a:solidFill>
-        <a:round/>
-      </a:ln>
-    </cs:spPr>
-  </cs:dataPointWireframe>
-  <cs:dataTable>
-    <cs:lnRef idx="0"/>
-    <cs:fillRef idx="0"/>
-    <cs:effectRef idx="0"/>
-    <cs:fontRef idx="minor">
-      <a:schemeClr val="tx1">
-        <a:lumMod val="65000"/>
-        <a:lumOff val="35000"/>
-      </a:schemeClr>
-    </cs:fontRef>
-    <cs:spPr>
-      <a:ln w="9525">
-        <a:solidFill>
-          <a:schemeClr val="tx1">
-            <a:lumMod val="15000"/>
-            <a:lumOff val="85000"/>
-          </a:schemeClr>
-        </a:solidFill>
-      </a:ln>
-    </cs:spPr>
-    <cs:defRPr sz="1197" kern="1200"/>
-  </cs:dataTable>
-  <cs:downBar>
-    <cs:lnRef idx="0"/>
-    <cs:fillRef idx="0"/>
-    <cs:effectRef idx="0"/>
-    <cs:fontRef idx="minor">
-      <a:schemeClr val="dk1"/>
-    </cs:fontRef>
-    <cs:spPr>
-      <a:solidFill>
-        <a:schemeClr val="dk1">
-          <a:lumMod val="75000"/>
-          <a:lumOff val="25000"/>
-        </a:schemeClr>
-      </a:solidFill>
-      <a:ln w="9525">
-        <a:solidFill>
-          <a:schemeClr val="tx1">
-            <a:lumMod val="65000"/>
-            <a:lumOff val="35000"/>
-          </a:schemeClr>
-        </a:solidFill>
-      </a:ln>
-    </cs:spPr>
-  </cs:downBar>
-  <cs:dropLine>
-    <cs:lnRef idx="0"/>
-    <cs:fillRef idx="0"/>
-    <cs:effectRef idx="0"/>
-    <cs:fontRef idx="minor">
-      <a:schemeClr val="dk1"/>
-    </cs:fontRef>
-    <cs:spPr>
-      <a:ln w="9525">
-        <a:solidFill>
-          <a:schemeClr val="tx1">
-            <a:lumMod val="35000"/>
-            <a:lumOff val="65000"/>
-          </a:schemeClr>
-        </a:solidFill>
-      </a:ln>
-    </cs:spPr>
-  </cs:dropLine>
-  <cs:errorBar>
-    <cs:lnRef idx="0"/>
-    <cs:fillRef idx="0"/>
-    <cs:effectRef idx="0"/>
-    <cs:fontRef idx="minor">
-      <a:schemeClr val="dk1"/>
-    </cs:fontRef>
-    <cs:spPr>
-      <a:ln w="9525" cap="flat" cmpd="sng" algn="ctr">
-        <a:solidFill>
-          <a:schemeClr val="tx1">
-            <a:lumMod val="65000"/>
-            <a:lumOff val="35000"/>
-          </a:schemeClr>
-        </a:solidFill>
-        <a:round/>
-      </a:ln>
-    </cs:spPr>
-  </cs:errorBar>
-  <cs:floor>
-    <cs:lnRef idx="0"/>
-    <cs:fillRef idx="0"/>
-    <cs:effectRef idx="0"/>
-    <cs:fontRef idx="minor">
-      <a:schemeClr val="dk1"/>
-    </cs:fontRef>
-  </cs:floor>
-  <cs:gridlineMajor>
-    <cs:lnRef idx="0"/>
-    <cs:fillRef idx="0"/>
-    <cs:effectRef idx="0"/>
-    <cs:fontRef idx="minor">
-      <a:schemeClr val="tx1"/>
-    </cs:fontRef>
-    <cs:spPr>
-      <a:ln w="9525" cap="flat" cmpd="sng" algn="ctr">
-        <a:solidFill>
-          <a:schemeClr val="tx1">
-            <a:lumMod val="5000"/>
-            <a:lumOff val="95000"/>
-          </a:schemeClr>
-        </a:solidFill>
-        <a:round/>
-      </a:ln>
-    </cs:spPr>
-  </cs:gridlineMajor>
-  <cs:gridlineMinor>
-    <cs:lnRef idx="0"/>
-    <cs:fillRef idx="0"/>
-    <cs:effectRef idx="0"/>
-    <cs:fontRef idx="minor">
-      <a:schemeClr val="tx1"/>
-    </cs:fontRef>
-    <cs:spPr>
-      <a:ln w="9525" cap="flat" cmpd="sng" algn="ctr">
-        <a:solidFill>
-          <a:schemeClr val="tx1">
-            <a:lumMod val="5000"/>
-            <a:lumOff val="95000"/>
-          </a:schemeClr>
-        </a:solidFill>
-        <a:round/>
-      </a:ln>
-    </cs:spPr>
-  </cs:gridlineMinor>
-  <cs:hiLoLine>
-    <cs:lnRef idx="0"/>
-    <cs:fillRef idx="0"/>
-    <cs:effectRef idx="0"/>
-    <cs:fontRef idx="minor">
-      <a:schemeClr val="dk1"/>
-    </cs:fontRef>
-    <cs:spPr>
-      <a:ln w="9525">
-        <a:solidFill>
-          <a:schemeClr val="tx1">
-            <a:lumMod val="50000"/>
-            <a:lumOff val="50000"/>
-          </a:schemeClr>
-        </a:solidFill>
-      </a:ln>
-    </cs:spPr>
-  </cs:hiLoLine>
-  <cs:leaderLine>
-    <cs:lnRef idx="0"/>
-    <cs:fillRef idx="0"/>
-    <cs:effectRef idx="0"/>
-    <cs:fontRef idx="minor">
-      <a:schemeClr val="dk1"/>
-    </cs:fontRef>
-    <cs:spPr>
-      <a:ln w="9525">
-        <a:solidFill>
-          <a:schemeClr val="tx1">
-            <a:lumMod val="35000"/>
-            <a:lumOff val="65000"/>
-          </a:schemeClr>
-        </a:solidFill>
-      </a:ln>
-    </cs:spPr>
-  </cs:leaderLine>
-  <cs:legend>
-    <cs:lnRef idx="0"/>
-    <cs:fillRef idx="0"/>
-    <cs:effectRef idx="0"/>
-    <cs:fontRef idx="minor">
-      <a:schemeClr val="tx1">
-        <a:lumMod val="65000"/>
-        <a:lumOff val="35000"/>
-      </a:schemeClr>
-    </cs:fontRef>
-    <cs:defRPr sz="1197" kern="1200"/>
-  </cs:legend>
-  <cs:plotArea mods="allowNoFillOverride allowNoLineOverride">
-    <cs:lnRef idx="0"/>
-    <cs:fillRef idx="0"/>
-    <cs:effectRef idx="0"/>
-    <cs:fontRef idx="minor">
-      <a:schemeClr val="dk1"/>
-    </cs:fontRef>
-  </cs:plotArea>
-  <cs:plotArea3D mods="allowNoFillOverride allowNoLineOverride">
-    <cs:lnRef idx="0"/>
-    <cs:fillRef idx="0"/>
-    <cs:effectRef idx="0"/>
-    <cs:fontRef idx="minor">
-      <a:schemeClr val="dk1"/>
-    </cs:fontRef>
-  </cs:plotArea3D>
-  <cs:seriesAxis>
-    <cs:lnRef idx="0"/>
-    <cs:fillRef idx="0"/>
-    <cs:effectRef idx="0"/>
-    <cs:fontRef idx="minor">
-      <a:schemeClr val="tx1">
-        <a:lumMod val="65000"/>
-        <a:lumOff val="35000"/>
-      </a:schemeClr>
-    </cs:fontRef>
-    <cs:spPr>
-      <a:ln w="9525" cap="flat" cmpd="sng" algn="ctr">
-        <a:solidFill>
-          <a:schemeClr val="tx1">
-            <a:lumMod val="15000"/>
-            <a:lumOff val="85000"/>
-          </a:schemeClr>
-        </a:solidFill>
-        <a:round/>
-        <a:headEnd type="none" w="sm" len="sm"/>
-        <a:tailEnd type="none" w="sm" len="sm"/>
-      </a:ln>
-    </cs:spPr>
-    <cs:defRPr sz="1197" kern="1200"/>
-  </cs:seriesAxis>
-  <cs:seriesLine>
-    <cs:lnRef idx="0"/>
-    <cs:fillRef idx="0"/>
-    <cs:effectRef idx="0"/>
-    <cs:fontRef idx="minor">
-      <a:schemeClr val="dk1"/>
-    </cs:fontRef>
-    <cs:spPr>
-      <a:ln w="9525">
-        <a:solidFill>
-          <a:schemeClr val="tx1">
-            <a:lumMod val="35000"/>
-            <a:lumOff val="65000"/>
-          </a:schemeClr>
-        </a:solidFill>
-        <a:round/>
-      </a:ln>
-    </cs:spPr>
-  </cs:seriesLine>
-  <cs:title>
-    <cs:lnRef idx="0"/>
-    <cs:fillRef idx="0"/>
-    <cs:effectRef idx="0"/>
-    <cs:fontRef idx="minor">
-      <a:schemeClr val="tx1">
-        <a:lumMod val="65000"/>
-        <a:lumOff val="35000"/>
-      </a:schemeClr>
-    </cs:fontRef>
-    <cs:defRPr sz="2200" b="1" kern="1200" cap="all" spc="50" baseline="0"/>
-  </cs:title>
-  <cs:trendline>
-    <cs:lnRef idx="0">
-      <cs:styleClr val="auto"/>
-    </cs:lnRef>
-    <cs:fillRef idx="0"/>
-    <cs:effectRef idx="0"/>
-    <cs:fontRef idx="minor">
-      <a:schemeClr val="dk1"/>
-    </cs:fontRef>
-    <cs:spPr>
-      <a:ln w="9525" cap="rnd">
-        <a:solidFill>
-          <a:schemeClr val="phClr"/>
-        </a:solidFill>
-      </a:ln>
-    </cs:spPr>
-  </cs:trendline>
-  <cs:trendlineLabel>
-    <cs:lnRef idx="0"/>
-    <cs:fillRef idx="0"/>
-    <cs:effectRef idx="0"/>
-    <cs:fontRef idx="minor">
-      <a:schemeClr val="tx1">
-        <a:lumMod val="65000"/>
-        <a:lumOff val="35000"/>
-      </a:schemeClr>
-    </cs:fontRef>
-    <cs:defRPr sz="1197" kern="1200"/>
-  </cs:trendlineLabel>
-  <cs:upBar>
-    <cs:lnRef idx="0"/>
-    <cs:fillRef idx="0"/>
-    <cs:effectRef idx="0"/>
-    <cs:fontRef idx="minor">
-      <a:schemeClr val="dk1"/>
-    </cs:fontRef>
-    <cs:spPr>
-      <a:solidFill>
-        <a:schemeClr val="lt1"/>
-      </a:solidFill>
-      <a:ln w="9525">
-        <a:solidFill>
-          <a:schemeClr val="tx1">
-            <a:lumMod val="65000"/>
-            <a:lumOff val="35000"/>
-          </a:schemeClr>
-        </a:solidFill>
-      </a:ln>
-    </cs:spPr>
-  </cs:upBar>
-  <cs:valueAxis>
-    <cs:lnRef idx="0"/>
-    <cs:fillRef idx="0"/>
-    <cs:effectRef idx="0"/>
-    <cs:fontRef idx="minor">
-      <a:schemeClr val="tx1">
-        <a:lumMod val="65000"/>
-        <a:lumOff val="35000"/>
-      </a:schemeClr>
-    </cs:fontRef>
-    <cs:defRPr sz="1197" kern="1200"/>
-  </cs:valueAxis>
-  <cs:wall>
-    <cs:lnRef idx="0"/>
-    <cs:fillRef idx="0"/>
-    <cs:effectRef idx="0"/>
-    <cs:fontRef idx="minor">
-      <a:schemeClr val="dk1"/>
-    </cs:fontRef>
-  </cs:wall>
-</cs:chartStyle>
-</file>
-
-<file path=ppt/charts/style2.xml><?xml version="1.0" encoding="utf-8"?>
-<cs:chartStyle xmlns:cs="http://schemas.microsoft.com/office/drawing/2012/chartStyle" xmlns:a="http://schemas.openxmlformats.org/drawingml/2006/main" id="293">
-  <cs:axisTitle>
-    <cs:lnRef idx="0"/>
-    <cs:fillRef idx="0"/>
-    <cs:effectRef idx="0"/>
-    <cs:fontRef idx="minor">
-      <a:schemeClr val="tx1">
-        <a:lumMod val="65000"/>
-        <a:lumOff val="35000"/>
-      </a:schemeClr>
-    </cs:fontRef>
-    <cs:defRPr sz="1197" kern="1200" cap="all"/>
-  </cs:axisTitle>
-  <cs:categoryAxis>
-    <cs:lnRef idx="0"/>
-    <cs:fillRef idx="0"/>
-    <cs:effectRef idx="0"/>
-    <cs:fontRef idx="minor">
-      <a:schemeClr val="tx1">
-        <a:lumMod val="65000"/>
-        <a:lumOff val="35000"/>
-      </a:schemeClr>
-    </cs:fontRef>
-    <cs:spPr/>
-    <cs:defRPr sz="1197" kern="1200"/>
-  </cs:categoryAxis>
-  <cs:chartArea mods="allowNoFillOverride allowNoLineOverride">
-    <cs:lnRef idx="0"/>
-    <cs:fillRef idx="0"/>
-    <cs:effectRef idx="0"/>
-    <cs:fontRef idx="minor">
-      <a:schemeClr val="dk1"/>
-    </cs:fontRef>
-    <cs:spPr>
-      <a:solidFill>
-        <a:schemeClr val="bg1"/>
-      </a:solidFill>
-      <a:ln w="9525" cap="flat" cmpd="sng" algn="ctr">
-        <a:solidFill>
-          <a:schemeClr val="tx1">
-            <a:lumMod val="15000"/>
-            <a:lumOff val="85000"/>
-          </a:schemeClr>
-        </a:solidFill>
-        <a:round/>
-      </a:ln>
-    </cs:spPr>
-    <cs:defRPr sz="1197" kern="1200"/>
-  </cs:chartArea>
-  <cs:dataLabel>
-    <cs:lnRef idx="0"/>
-    <cs:fillRef idx="0"/>
-    <cs:effectRef idx="0"/>
-    <cs:fontRef idx="minor">
-      <a:schemeClr val="tx1">
-        <a:lumMod val="75000"/>
-        <a:lumOff val="25000"/>
-      </a:schemeClr>
-    </cs:fontRef>
-    <cs:defRPr sz="1197" kern="1200"/>
-  </cs:dataLabel>
-  <cs:dataLabelCallout>
-    <cs:lnRef idx="0"/>
-    <cs:fillRef idx="0"/>
-    <cs:effectRef idx="0"/>
-    <cs:fontRef idx="minor">
-      <a:schemeClr val="bg1"/>
-    </cs:fontRef>
-    <cs:spPr>
-      <a:solidFill>
-        <a:schemeClr val="tx1">
-          <a:lumMod val="50000"/>
-          <a:lumOff val="50000"/>
-        </a:schemeClr>
-      </a:solidFill>
-    </cs:spPr>
-    <cs:defRPr sz="1197" kern="1200"/>
-    <cs:bodyPr rot="0" spcFirstLastPara="1" vertOverflow="clip" horzOverflow="clip" vert="horz" wrap="square" lIns="36576" tIns="18288" rIns="36576" bIns="18288" anchor="ctr" anchorCtr="1">
-      <a:spAutoFit/>
-    </cs:bodyPr>
-  </cs:dataLabelCallout>
-  <cs:dataPoint>
-    <cs:lnRef idx="0"/>
-    <cs:fillRef idx="0">
-      <cs:styleClr val="auto"/>
-    </cs:fillRef>
-    <cs:effectRef idx="0"/>
-    <cs:fontRef idx="minor">
-      <a:schemeClr val="dk1"/>
-    </cs:fontRef>
-    <cs:spPr>
-      <a:gradFill flip="none" rotWithShape="1">
-        <a:gsLst>
-          <a:gs pos="0">
-            <a:schemeClr val="phClr"/>
-          </a:gs>
-          <a:gs pos="75000">
-            <a:schemeClr val="phClr">
-              <a:lumMod val="60000"/>
-              <a:lumOff val="40000"/>
-            </a:schemeClr>
-          </a:gs>
-          <a:gs pos="51000">
-            <a:schemeClr val="phClr">
-              <a:alpha val="75000"/>
-            </a:schemeClr>
-          </a:gs>
-          <a:gs pos="100000">
-            <a:schemeClr val="phClr">
-              <a:lumMod val="20000"/>
-              <a:lumOff val="80000"/>
-              <a:alpha val="15000"/>
-            </a:schemeClr>
-          </a:gs>
-        </a:gsLst>
-        <a:lin ang="5400000" scaled="0"/>
-      </a:gradFill>
-    </cs:spPr>
-  </cs:dataPoint>
-  <cs:dataPoint3D>
-    <cs:lnRef idx="0"/>
-    <cs:fillRef idx="0">
-      <cs:styleClr val="auto"/>
-    </cs:fillRef>
-    <cs:effectRef idx="0"/>
-    <cs:fontRef idx="minor">
-      <a:schemeClr val="tx1"/>
-    </cs:fontRef>
-    <cs:spPr>
-      <a:gradFill>
-        <a:gsLst>
-          <a:gs pos="100000">
-            <a:schemeClr val="phClr">
-              <a:alpha val="0"/>
-            </a:schemeClr>
-          </a:gs>
-          <a:gs pos="50000">
-            <a:schemeClr val="phClr"/>
-          </a:gs>
-        </a:gsLst>
-        <a:lin ang="5400000" scaled="0"/>
-      </a:gradFill>
-      <a:sp3d/>
-    </cs:spPr>
-  </cs:dataPoint3D>
-  <cs:dataPointLine>
-    <cs:lnRef idx="0">
-      <cs:styleClr val="auto"/>
-    </cs:lnRef>
-    <cs:fillRef idx="0"/>
-    <cs:effectRef idx="0"/>
-    <cs:fontRef idx="minor">
-      <a:schemeClr val="dk1"/>
-    </cs:fontRef>
-    <cs:spPr>
-      <a:ln w="28575" cap="rnd">
-        <a:solidFill>
-          <a:schemeClr val="phClr"/>
-        </a:solidFill>
-        <a:round/>
-      </a:ln>
-    </cs:spPr>
-  </cs:dataPointLine>
-  <cs:dataPointMarker>
-    <cs:lnRef idx="0">
-      <cs:styleClr val="auto"/>
-    </cs:lnRef>
-    <cs:fillRef idx="0">
-      <cs:styleClr val="auto"/>
-    </cs:fillRef>
-    <cs:effectRef idx="0"/>
-    <cs:fontRef idx="minor">
-      <a:schemeClr val="dk1"/>
-    </cs:fontRef>
-    <cs:spPr>
-      <a:gradFill flip="none" rotWithShape="1">
-        <a:gsLst>
-          <a:gs pos="0">
-            <a:schemeClr val="phClr"/>
-          </a:gs>
-          <a:gs pos="75000">
-            <a:schemeClr val="phClr">
-              <a:lumMod val="60000"/>
-              <a:lumOff val="40000"/>
-            </a:schemeClr>
-          </a:gs>
-          <a:gs pos="51000">
-            <a:schemeClr val="phClr">
-              <a:alpha val="75000"/>
-            </a:schemeClr>
-          </a:gs>
-          <a:gs pos="100000">
-            <a:schemeClr val="phClr">
-              <a:lumMod val="20000"/>
-              <a:lumOff val="80000"/>
-              <a:alpha val="15000"/>
-            </a:schemeClr>
-          </a:gs>
-        </a:gsLst>
-        <a:lin ang="5400000" scaled="0"/>
-      </a:gradFill>
-      <a:ln w="9525" cap="flat" cmpd="sng" algn="ctr">
-        <a:solidFill>
-          <a:schemeClr val="phClr">
-            <a:shade val="95000"/>
-          </a:schemeClr>
-        </a:solidFill>
-        <a:round/>
-      </a:ln>
-    </cs:spPr>
-  </cs:dataPointMarker>
-  <cs:dataPointMarkerLayout symbol="circle" size="6"/>
-  <cs:dataPointWireframe>
-    <cs:lnRef idx="0">
-      <cs:styleClr val="auto"/>
-    </cs:lnRef>
-    <cs:fillRef idx="0"/>
-    <cs:effectRef idx="0"/>
-    <cs:fontRef idx="minor">
-      <a:schemeClr val="dk1"/>
-    </cs:fontRef>
-    <cs:spPr>
-      <a:ln w="9525" cap="rnd">
-        <a:solidFill>
-          <a:schemeClr val="phClr"/>
-        </a:solidFill>
-        <a:round/>
-      </a:ln>
-    </cs:spPr>
-  </cs:dataPointWireframe>
-  <cs:dataTable>
-    <cs:lnRef idx="0"/>
-    <cs:fillRef idx="0"/>
-    <cs:effectRef idx="0"/>
-    <cs:fontRef idx="minor">
-      <a:schemeClr val="tx1">
-        <a:lumMod val="65000"/>
-        <a:lumOff val="35000"/>
-      </a:schemeClr>
-    </cs:fontRef>
-    <cs:spPr>
-      <a:ln w="9525">
-        <a:solidFill>
-          <a:schemeClr val="tx1">
-            <a:lumMod val="15000"/>
-            <a:lumOff val="85000"/>
-          </a:schemeClr>
-        </a:solidFill>
-      </a:ln>
-    </cs:spPr>
-    <cs:defRPr sz="1197" kern="1200"/>
-  </cs:dataTable>
-  <cs:downBar>
-    <cs:lnRef idx="0"/>
-    <cs:fillRef idx="0"/>
-    <cs:effectRef idx="0"/>
-    <cs:fontRef idx="minor">
-      <a:schemeClr val="dk1"/>
-    </cs:fontRef>
-    <cs:spPr>
-      <a:solidFill>
-        <a:schemeClr val="dk1">
-          <a:lumMod val="75000"/>
-          <a:lumOff val="25000"/>
-        </a:schemeClr>
-      </a:solidFill>
-      <a:ln w="9525">
-        <a:solidFill>
-          <a:schemeClr val="tx1">
-            <a:lumMod val="65000"/>
-            <a:lumOff val="35000"/>
-          </a:schemeClr>
-        </a:solidFill>
-      </a:ln>
-    </cs:spPr>
-  </cs:downBar>
-  <cs:dropLine>
-    <cs:lnRef idx="0"/>
-    <cs:fillRef idx="0"/>
-    <cs:effectRef idx="0"/>
-    <cs:fontRef idx="minor">
-      <a:schemeClr val="dk1"/>
-    </cs:fontRef>
-    <cs:spPr>
-      <a:ln w="9525">
-        <a:solidFill>
-          <a:schemeClr val="tx1">
-            <a:lumMod val="35000"/>
-            <a:lumOff val="65000"/>
-          </a:schemeClr>
-        </a:solidFill>
-      </a:ln>
-    </cs:spPr>
-  </cs:dropLine>
-  <cs:errorBar>
-    <cs:lnRef idx="0"/>
-    <cs:fillRef idx="0"/>
-    <cs:effectRef idx="0"/>
-    <cs:fontRef idx="minor">
-      <a:schemeClr val="dk1"/>
-    </cs:fontRef>
-    <cs:spPr>
-      <a:ln w="9525" cap="flat" cmpd="sng" algn="ctr">
-        <a:solidFill>
-          <a:schemeClr val="tx1">
-            <a:lumMod val="65000"/>
-            <a:lumOff val="35000"/>
-          </a:schemeClr>
-        </a:solidFill>
-        <a:round/>
-      </a:ln>
-    </cs:spPr>
-  </cs:errorBar>
-  <cs:floor>
-    <cs:lnRef idx="0"/>
-    <cs:fillRef idx="0"/>
-    <cs:effectRef idx="0"/>
-    <cs:fontRef idx="minor">
-      <a:schemeClr val="dk1"/>
-    </cs:fontRef>
-  </cs:floor>
-  <cs:gridlineMajor>
-    <cs:lnRef idx="0"/>
-    <cs:fillRef idx="0"/>
-    <cs:effectRef idx="0"/>
-    <cs:fontRef idx="minor">
-      <a:schemeClr val="tx1"/>
-    </cs:fontRef>
-    <cs:spPr>
-      <a:ln w="9525" cap="flat" cmpd="sng" algn="ctr">
-        <a:solidFill>
-          <a:schemeClr val="tx1">
-            <a:lumMod val="5000"/>
-            <a:lumOff val="95000"/>
-          </a:schemeClr>
-        </a:solidFill>
-        <a:round/>
-      </a:ln>
-    </cs:spPr>
-  </cs:gridlineMajor>
-  <cs:gridlineMinor>
-    <cs:lnRef idx="0"/>
-    <cs:fillRef idx="0"/>
-    <cs:effectRef idx="0"/>
-    <cs:fontRef idx="minor">
-      <a:schemeClr val="tx1"/>
-    </cs:fontRef>
-    <cs:spPr>
-      <a:ln w="9525" cap="flat" cmpd="sng" algn="ctr">
-        <a:solidFill>
-          <a:schemeClr val="tx1">
-            <a:lumMod val="5000"/>
-            <a:lumOff val="95000"/>
-          </a:schemeClr>
-        </a:solidFill>
-        <a:round/>
-      </a:ln>
-    </cs:spPr>
-  </cs:gridlineMinor>
-  <cs:hiLoLine>
-    <cs:lnRef idx="0"/>
-    <cs:fillRef idx="0"/>
-    <cs:effectRef idx="0"/>
-    <cs:fontRef idx="minor">
-      <a:schemeClr val="dk1"/>
-    </cs:fontRef>
-    <cs:spPr>
-      <a:ln w="9525">
-        <a:solidFill>
-          <a:schemeClr val="tx1">
-            <a:lumMod val="50000"/>
-            <a:lumOff val="50000"/>
-          </a:schemeClr>
-        </a:solidFill>
-      </a:ln>
-    </cs:spPr>
-  </cs:hiLoLine>
-  <cs:leaderLine>
-    <cs:lnRef idx="0"/>
-    <cs:fillRef idx="0"/>
-    <cs:effectRef idx="0"/>
-    <cs:fontRef idx="minor">
-      <a:schemeClr val="dk1"/>
-    </cs:fontRef>
-    <cs:spPr>
-      <a:ln w="9525">
-        <a:solidFill>
-          <a:schemeClr val="tx1">
-            <a:lumMod val="35000"/>
-            <a:lumOff val="65000"/>
-          </a:schemeClr>
-        </a:solidFill>
-      </a:ln>
-    </cs:spPr>
-  </cs:leaderLine>
-  <cs:legend>
-    <cs:lnRef idx="0"/>
-    <cs:fillRef idx="0"/>
-    <cs:effectRef idx="0"/>
-    <cs:fontRef idx="minor">
-      <a:schemeClr val="tx1">
-        <a:lumMod val="65000"/>
-        <a:lumOff val="35000"/>
-      </a:schemeClr>
-    </cs:fontRef>
-    <cs:defRPr sz="1197" kern="1200"/>
-  </cs:legend>
-  <cs:plotArea mods="allowNoFillOverride allowNoLineOverride">
-    <cs:lnRef idx="0"/>
-    <cs:fillRef idx="0"/>
-    <cs:effectRef idx="0"/>
-    <cs:fontRef idx="minor">
-      <a:schemeClr val="dk1"/>
-    </cs:fontRef>
-  </cs:plotArea>
-  <cs:plotArea3D mods="allowNoFillOverride allowNoLineOverride">
-    <cs:lnRef idx="0"/>
-    <cs:fillRef idx="0"/>
-    <cs:effectRef idx="0"/>
-    <cs:fontRef idx="minor">
-      <a:schemeClr val="dk1"/>
-    </cs:fontRef>
-  </cs:plotArea3D>
-  <cs:seriesAxis>
-    <cs:lnRef idx="0"/>
-    <cs:fillRef idx="0"/>
-    <cs:effectRef idx="0"/>
-    <cs:fontRef idx="minor">
-      <a:schemeClr val="tx1">
-        <a:lumMod val="65000"/>
-        <a:lumOff val="35000"/>
-      </a:schemeClr>
-    </cs:fontRef>
-    <cs:spPr>
-      <a:ln w="9525" cap="flat" cmpd="sng" algn="ctr">
-        <a:solidFill>
-          <a:schemeClr val="tx1">
-            <a:lumMod val="15000"/>
-            <a:lumOff val="85000"/>
-          </a:schemeClr>
-        </a:solidFill>
-        <a:round/>
-        <a:headEnd type="none" w="sm" len="sm"/>
-        <a:tailEnd type="none" w="sm" len="sm"/>
-      </a:ln>
-    </cs:spPr>
-    <cs:defRPr sz="1197" kern="1200"/>
-  </cs:seriesAxis>
-  <cs:seriesLine>
-    <cs:lnRef idx="0"/>
-    <cs:fillRef idx="0"/>
-    <cs:effectRef idx="0"/>
-    <cs:fontRef idx="minor">
-      <a:schemeClr val="dk1"/>
-    </cs:fontRef>
-    <cs:spPr>
-      <a:ln w="9525">
-        <a:solidFill>
-          <a:schemeClr val="tx1">
-            <a:lumMod val="35000"/>
-            <a:lumOff val="65000"/>
-          </a:schemeClr>
-        </a:solidFill>
-        <a:round/>
-      </a:ln>
-    </cs:spPr>
-  </cs:seriesLine>
-  <cs:title>
-    <cs:lnRef idx="0"/>
-    <cs:fillRef idx="0"/>
-    <cs:effectRef idx="0"/>
-    <cs:fontRef idx="minor">
-      <a:schemeClr val="tx1">
-        <a:lumMod val="65000"/>
-        <a:lumOff val="35000"/>
-      </a:schemeClr>
-    </cs:fontRef>
-    <cs:defRPr sz="2200" b="1" kern="1200" cap="all" spc="50" baseline="0"/>
-  </cs:title>
-  <cs:trendline>
-    <cs:lnRef idx="0">
-      <cs:styleClr val="auto"/>
-    </cs:lnRef>
-    <cs:fillRef idx="0"/>
-    <cs:effectRef idx="0"/>
-    <cs:fontRef idx="minor">
-      <a:schemeClr val="dk1"/>
-    </cs:fontRef>
-    <cs:spPr>
-      <a:ln w="9525" cap="rnd">
-        <a:solidFill>
-          <a:schemeClr val="phClr"/>
-        </a:solidFill>
-      </a:ln>
-    </cs:spPr>
-  </cs:trendline>
-  <cs:trendlineLabel>
-    <cs:lnRef idx="0"/>
-    <cs:fillRef idx="0"/>
-    <cs:effectRef idx="0"/>
-    <cs:fontRef idx="minor">
-      <a:schemeClr val="tx1">
-        <a:lumMod val="65000"/>
-        <a:lumOff val="35000"/>
-      </a:schemeClr>
-    </cs:fontRef>
-    <cs:defRPr sz="1197" kern="1200"/>
-  </cs:trendlineLabel>
-  <cs:upBar>
-    <cs:lnRef idx="0"/>
-    <cs:fillRef idx="0"/>
-    <cs:effectRef idx="0"/>
-    <cs:fontRef idx="minor">
-      <a:schemeClr val="dk1"/>
-    </cs:fontRef>
-    <cs:spPr>
-      <a:solidFill>
-        <a:schemeClr val="lt1"/>
-      </a:solidFill>
-      <a:ln w="9525">
-        <a:solidFill>
-          <a:schemeClr val="tx1">
-            <a:lumMod val="65000"/>
-            <a:lumOff val="35000"/>
-          </a:schemeClr>
-        </a:solidFill>
-      </a:ln>
-    </cs:spPr>
-  </cs:upBar>
-  <cs:valueAxis>
-    <cs:lnRef idx="0"/>
-    <cs:fillRef idx="0"/>
-    <cs:effectRef idx="0"/>
-    <cs:fontRef idx="minor">
-      <a:schemeClr val="tx1">
-        <a:lumMod val="65000"/>
-        <a:lumOff val="35000"/>
-      </a:schemeClr>
-    </cs:fontRef>
-    <cs:defRPr sz="1197" kern="1200"/>
-  </cs:valueAxis>
-  <cs:wall>
-    <cs:lnRef idx="0"/>
-    <cs:fillRef idx="0"/>
-    <cs:effectRef idx="0"/>
-    <cs:fontRef idx="minor">
-      <a:schemeClr val="dk1"/>
-    </cs:fontRef>
-  </cs:wall>
-</cs:chartStyle>
 </file>
 
 <file path=ppt/slideLayouts/slideLayout1.xml><?xml version="1.0" encoding="utf-8"?>
@@ -2899,7 +843,7 @@
             <a:fld id="{B61BEF0D-F0BB-DE4B-95CE-6DB70DBA9567}" type="datetimeFigureOut">
               <a:rPr lang="en-US" dirty="0"/>
               <a:pPr/>
-              <a:t>5/1/2023</a:t>
+              <a:t>5/4/2023</a:t>
             </a:fld>
             <a:endParaRPr lang="en-US" dirty="0"/>
           </a:p>
@@ -3147,7 +1091,7 @@
             <a:fld id="{B61BEF0D-F0BB-DE4B-95CE-6DB70DBA9567}" type="datetimeFigureOut">
               <a:rPr lang="en-US" dirty="0"/>
               <a:pPr/>
-              <a:t>5/1/2023</a:t>
+              <a:t>5/4/2023</a:t>
             </a:fld>
             <a:endParaRPr lang="en-US" dirty="0"/>
           </a:p>
@@ -3458,7 +1402,7 @@
             <a:fld id="{B61BEF0D-F0BB-DE4B-95CE-6DB70DBA9567}" type="datetimeFigureOut">
               <a:rPr lang="en-US" dirty="0"/>
               <a:pPr/>
-              <a:t>5/1/2023</a:t>
+              <a:t>5/4/2023</a:t>
             </a:fld>
             <a:endParaRPr lang="en-US" dirty="0"/>
           </a:p>
@@ -3782,7 +1726,7 @@
             <a:fld id="{B61BEF0D-F0BB-DE4B-95CE-6DB70DBA9567}" type="datetimeFigureOut">
               <a:rPr lang="en-US" dirty="0"/>
               <a:pPr/>
-              <a:t>5/1/2023</a:t>
+              <a:t>5/4/2023</a:t>
             </a:fld>
             <a:endParaRPr lang="en-US" dirty="0"/>
           </a:p>
@@ -4093,7 +2037,7 @@
             <a:fld id="{B61BEF0D-F0BB-DE4B-95CE-6DB70DBA9567}" type="datetimeFigureOut">
               <a:rPr lang="en-US" dirty="0"/>
               <a:pPr/>
-              <a:t>5/1/2023</a:t>
+              <a:t>5/4/2023</a:t>
             </a:fld>
             <a:endParaRPr lang="en-US" dirty="0"/>
           </a:p>
@@ -4477,7 +2421,7 @@
             <a:fld id="{B61BEF0D-F0BB-DE4B-95CE-6DB70DBA9567}" type="datetimeFigureOut">
               <a:rPr lang="en-US" dirty="0"/>
               <a:pPr/>
-              <a:t>5/1/2023</a:t>
+              <a:t>5/4/2023</a:t>
             </a:fld>
             <a:endParaRPr lang="en-US" dirty="0"/>
           </a:p>
@@ -4643,7 +2587,7 @@
           <a:p>
             <a:fld id="{55C6B4A9-1611-4792-9094-5F34BCA07E0B}" type="datetimeFigureOut">
               <a:rPr lang="en-US" dirty="0"/>
-              <a:t>5/1/2023</a:t>
+              <a:t>5/4/2023</a:t>
             </a:fld>
             <a:endParaRPr lang="en-US" dirty="0"/>
           </a:p>
@@ -4819,7 +2763,7 @@
             <a:fld id="{B61BEF0D-F0BB-DE4B-95CE-6DB70DBA9567}" type="datetimeFigureOut">
               <a:rPr lang="en-US" dirty="0"/>
               <a:pPr/>
-              <a:t>5/1/2023</a:t>
+              <a:t>5/4/2023</a:t>
             </a:fld>
             <a:endParaRPr lang="en-US" dirty="0"/>
           </a:p>
@@ -4992,7 +2936,7 @@
             <a:fld id="{B61BEF0D-F0BB-DE4B-95CE-6DB70DBA9567}" type="datetimeFigureOut">
               <a:rPr lang="en-US" dirty="0"/>
               <a:pPr/>
-              <a:t>5/1/2023</a:t>
+              <a:t>5/4/2023</a:t>
             </a:fld>
             <a:endParaRPr lang="en-US" dirty="0"/>
           </a:p>
@@ -5236,7 +3180,7 @@
             <a:fld id="{B61BEF0D-F0BB-DE4B-95CE-6DB70DBA9567}" type="datetimeFigureOut">
               <a:rPr lang="en-US" dirty="0"/>
               <a:pPr/>
-              <a:t>5/1/2023</a:t>
+              <a:t>5/4/2023</a:t>
             </a:fld>
             <a:endParaRPr lang="en-US" dirty="0"/>
           </a:p>
@@ -5464,7 +3408,7 @@
           <a:p>
             <a:fld id="{EB712588-04B1-427B-82EE-E8DB90309F08}" type="datetimeFigureOut">
               <a:rPr lang="en-US" dirty="0"/>
-              <a:t>5/1/2023</a:t>
+              <a:t>5/4/2023</a:t>
             </a:fld>
             <a:endParaRPr lang="en-US" dirty="0"/>
           </a:p>
@@ -5834,7 +3778,7 @@
             <a:fld id="{B61BEF0D-F0BB-DE4B-95CE-6DB70DBA9567}" type="datetimeFigureOut">
               <a:rPr lang="en-US" dirty="0"/>
               <a:pPr/>
-              <a:t>5/1/2023</a:t>
+              <a:t>5/4/2023</a:t>
             </a:fld>
             <a:endParaRPr lang="en-US" dirty="0"/>
           </a:p>
@@ -5954,7 +3898,7 @@
             <a:fld id="{B61BEF0D-F0BB-DE4B-95CE-6DB70DBA9567}" type="datetimeFigureOut">
               <a:rPr lang="en-US" dirty="0"/>
               <a:pPr/>
-              <a:t>5/1/2023</a:t>
+              <a:t>5/4/2023</a:t>
             </a:fld>
             <a:endParaRPr lang="en-US" dirty="0"/>
           </a:p>
@@ -6046,7 +3990,7 @@
             <a:fld id="{B61BEF0D-F0BB-DE4B-95CE-6DB70DBA9567}" type="datetimeFigureOut">
               <a:rPr lang="en-US" dirty="0"/>
               <a:pPr/>
-              <a:t>5/1/2023</a:t>
+              <a:t>5/4/2023</a:t>
             </a:fld>
             <a:endParaRPr lang="en-US" dirty="0"/>
           </a:p>
@@ -6297,7 +4241,7 @@
           <a:p>
             <a:fld id="{42A54C80-263E-416B-A8E0-580EDEADCBDC}" type="datetimeFigureOut">
               <a:rPr lang="en-US" dirty="0"/>
-              <a:t>5/1/2023</a:t>
+              <a:t>5/4/2023</a:t>
             </a:fld>
             <a:endParaRPr lang="en-US" dirty="0"/>
           </a:p>
@@ -6556,7 +4500,7 @@
             <a:fld id="{B61BEF0D-F0BB-DE4B-95CE-6DB70DBA9567}" type="datetimeFigureOut">
               <a:rPr lang="en-US" dirty="0"/>
               <a:pPr/>
-              <a:t>5/1/2023</a:t>
+              <a:t>5/4/2023</a:t>
             </a:fld>
             <a:endParaRPr lang="en-US" dirty="0"/>
           </a:p>
@@ -7298,7 +5242,7 @@
             <a:fld id="{B61BEF0D-F0BB-DE4B-95CE-6DB70DBA9567}" type="datetimeFigureOut">
               <a:rPr lang="en-US" dirty="0"/>
               <a:pPr/>
-              <a:t>5/1/2023</a:t>
+              <a:t>5/4/2023</a:t>
             </a:fld>
             <a:endParaRPr lang="en-US" dirty="0"/>
           </a:p>
@@ -7894,6 +5838,18 @@
   <p:clrMapOvr>
     <a:masterClrMapping/>
   </p:clrMapOvr>
+  <mc:AlternateContent xmlns:mc="http://schemas.openxmlformats.org/markup-compatibility/2006">
+    <mc:Choice xmlns:p15="http://schemas.microsoft.com/office/powerpoint/2012/main" Requires="p15">
+      <p:transition xmlns:p14="http://schemas.microsoft.com/office/powerpoint/2010/main" spd="slow" p14:dur="6000">
+        <p15:prstTrans prst="curtains"/>
+      </p:transition>
+    </mc:Choice>
+    <mc:Fallback>
+      <p:transition spd="slow">
+        <p:fade/>
+      </p:transition>
+    </mc:Fallback>
+  </mc:AlternateContent>
 </p:sld>
 </file>
 
@@ -8048,6 +6004,18 @@
   <p:clrMapOvr>
     <a:masterClrMapping/>
   </p:clrMapOvr>
+  <mc:AlternateContent xmlns:mc="http://schemas.openxmlformats.org/markup-compatibility/2006">
+    <mc:Choice xmlns:p15="http://schemas.microsoft.com/office/powerpoint/2012/main" Requires="p15">
+      <p:transition xmlns:p14="http://schemas.microsoft.com/office/powerpoint/2010/main" spd="slow" p14:dur="1250">
+        <p15:prstTrans prst="airplane"/>
+      </p:transition>
+    </mc:Choice>
+    <mc:Fallback>
+      <p:transition spd="slow">
+        <p:fade/>
+      </p:transition>
+    </mc:Fallback>
+  </mc:AlternateContent>
 </p:sld>
 </file>
 
@@ -8506,6 +6474,18 @@
   <p:clrMapOvr>
     <a:masterClrMapping/>
   </p:clrMapOvr>
+  <mc:AlternateContent xmlns:mc="http://schemas.openxmlformats.org/markup-compatibility/2006">
+    <mc:Choice xmlns:p15="http://schemas.microsoft.com/office/powerpoint/2012/main" Requires="p15">
+      <p:transition xmlns:p14="http://schemas.microsoft.com/office/powerpoint/2010/main" spd="slow" p14:dur="3250">
+        <p15:prstTrans prst="origami"/>
+      </p:transition>
+    </mc:Choice>
+    <mc:Fallback>
+      <p:transition spd="slow">
+        <p:fade/>
+      </p:transition>
+    </mc:Fallback>
+  </mc:AlternateContent>
 </p:sld>
 </file>
 
@@ -8531,7 +6511,7 @@
           <p:cNvPr id="2" name="Cím 1">
             <a:extLst>
               <a:ext uri="{FF2B5EF4-FFF2-40B4-BE49-F238E27FC236}">
-                <a16:creationId xmlns:a16="http://schemas.microsoft.com/office/drawing/2014/main" id="{812D450C-0321-20A5-F23B-23922680EF6C}"/>
+                <a16:creationId xmlns:a16="http://schemas.microsoft.com/office/drawing/2014/main" id="{453591E0-F234-5AC8-E86A-D9569102A1D6}"/>
               </a:ext>
             </a:extLst>
           </p:cNvPr>
@@ -8542,12 +6522,7 @@
             <p:ph type="title"/>
           </p:nvPr>
         </p:nvSpPr>
-        <p:spPr>
-          <a:xfrm>
-            <a:off x="861" y="0"/>
-            <a:ext cx="8596668" cy="1320800"/>
-          </a:xfrm>
-        </p:spPr>
+        <p:spPr/>
         <p:txBody>
           <a:bodyPr/>
           <a:lstStyle/>
@@ -8560,260 +6535,82 @@
           </a:p>
         </p:txBody>
       </p:sp>
-      <p:graphicFrame>
-        <p:nvGraphicFramePr>
-          <p:cNvPr id="6" name="Tartalom helye 5">
+      <p:sp>
+        <p:nvSpPr>
+          <p:cNvPr id="3" name="Tartalom helye 2">
             <a:extLst>
               <a:ext uri="{FF2B5EF4-FFF2-40B4-BE49-F238E27FC236}">
-                <a16:creationId xmlns:a16="http://schemas.microsoft.com/office/drawing/2014/main" id="{50B81429-9CA6-8FAD-7E5C-E802665CF75D}"/>
+                <a16:creationId xmlns:a16="http://schemas.microsoft.com/office/drawing/2014/main" id="{6BEB7125-FFB6-0293-A98D-2265CDBFB3DF}"/>
               </a:ext>
             </a:extLst>
           </p:cNvPr>
-          <p:cNvGraphicFramePr>
-            <a:graphicFrameLocks noGrp="1"/>
-          </p:cNvGraphicFramePr>
+          <p:cNvSpPr>
+            <a:spLocks noGrp="1"/>
+          </p:cNvSpPr>
           <p:nvPr>
             <p:ph idx="1"/>
-            <p:extLst>
-              <p:ext uri="{D42A27DB-BD31-4B8C-83A1-F6EECF244321}">
-                <p14:modId xmlns:p14="http://schemas.microsoft.com/office/powerpoint/2010/main" val="452436894"/>
-              </p:ext>
-            </p:extLst>
-          </p:nvPr>
-        </p:nvGraphicFramePr>
-        <p:xfrm>
-          <a:off x="35403" y="629116"/>
-          <a:ext cx="3091880" cy="3532846"/>
-        </p:xfrm>
-        <a:graphic>
-          <a:graphicData uri="http://schemas.openxmlformats.org/drawingml/2006/chart">
-            <c:chart xmlns:c="http://schemas.openxmlformats.org/drawingml/2006/chart" xmlns:r="http://schemas.openxmlformats.org/officeDocument/2006/relationships" r:id="rId2"/>
-          </a:graphicData>
-        </a:graphic>
-      </p:graphicFrame>
-      <p:graphicFrame>
-        <p:nvGraphicFramePr>
-          <p:cNvPr id="10" name="Tartalom helye 5">
+          </p:nvPr>
+        </p:nvSpPr>
+        <p:spPr/>
+        <p:txBody>
+          <a:bodyPr/>
+          <a:lstStyle/>
+          <a:p>
+            <a:endParaRPr lang="en-US" dirty="0"/>
+          </a:p>
+        </p:txBody>
+      </p:sp>
+      <p:pic>
+        <p:nvPicPr>
+          <p:cNvPr id="5" name="Kép 4">
             <a:extLst>
               <a:ext uri="{FF2B5EF4-FFF2-40B4-BE49-F238E27FC236}">
-                <a16:creationId xmlns:a16="http://schemas.microsoft.com/office/drawing/2014/main" id="{E8ABC315-6D9B-F81F-B7E6-C04A114AE289}"/>
+                <a16:creationId xmlns:a16="http://schemas.microsoft.com/office/drawing/2014/main" id="{2380B945-141A-602E-1544-086DA327C4A7}"/>
               </a:ext>
             </a:extLst>
           </p:cNvPr>
-          <p:cNvGraphicFramePr>
-            <a:graphicFrameLocks/>
-          </p:cNvGraphicFramePr>
-          <p:nvPr>
-            <p:extLst>
-              <p:ext uri="{D42A27DB-BD31-4B8C-83A1-F6EECF244321}">
-                <p14:modId xmlns:p14="http://schemas.microsoft.com/office/powerpoint/2010/main" val="1425703820"/>
-              </p:ext>
-            </p:extLst>
-          </p:nvPr>
-        </p:nvGraphicFramePr>
-        <p:xfrm>
-          <a:off x="2956987" y="673279"/>
-          <a:ext cx="3091880" cy="3532846"/>
-        </p:xfrm>
-        <a:graphic>
-          <a:graphicData uri="http://schemas.openxmlformats.org/drawingml/2006/chart">
-            <c:chart xmlns:c="http://schemas.openxmlformats.org/drawingml/2006/chart" xmlns:r="http://schemas.openxmlformats.org/officeDocument/2006/relationships" r:id="rId3"/>
-          </a:graphicData>
-        </a:graphic>
-      </p:graphicFrame>
-      <p:sp>
-        <p:nvSpPr>
-          <p:cNvPr id="11" name="Szövegdoboz 10">
-            <a:extLst>
-              <a:ext uri="{FF2B5EF4-FFF2-40B4-BE49-F238E27FC236}">
-                <a16:creationId xmlns:a16="http://schemas.microsoft.com/office/drawing/2014/main" id="{61A23C0E-80EB-7C83-B1CA-3B94A8EC3D8C}"/>
-              </a:ext>
-            </a:extLst>
-          </p:cNvPr>
-          <p:cNvSpPr txBox="1"/>
+          <p:cNvPicPr>
+            <a:picLocks noChangeAspect="1"/>
+          </p:cNvPicPr>
           <p:nvPr/>
-        </p:nvSpPr>
+        </p:nvPicPr>
+        <p:blipFill rotWithShape="1">
+          <a:blip r:embed="rId2"/>
+          <a:srcRect l="908" t="2997" r="4048" b="15562"/>
+          <a:stretch/>
+        </p:blipFill>
         <p:spPr>
           <a:xfrm>
-            <a:off x="6247460" y="1074739"/>
-            <a:ext cx="2736095" cy="646331"/>
+            <a:off x="221411" y="1930400"/>
+            <a:ext cx="11749177" cy="3646099"/>
           </a:xfrm>
           <a:prstGeom prst="rect">
             <a:avLst/>
           </a:prstGeom>
-          <a:noFill/>
-        </p:spPr>
-        <p:txBody>
-          <a:bodyPr wrap="square" rtlCol="0">
-            <a:spAutoFit/>
-          </a:bodyPr>
-          <a:lstStyle/>
-          <a:p>
-            <a:r>
-              <a:rPr lang="hu-HU" dirty="0"/>
-              <a:t>4 db Samsung </a:t>
-            </a:r>
-            <a:r>
-              <a:rPr lang="hu-HU" dirty="0" err="1"/>
-              <a:t>galaxy</a:t>
-            </a:r>
-            <a:r>
-              <a:rPr lang="hu-HU" dirty="0"/>
-              <a:t> a54 telefon :136035FT</a:t>
-            </a:r>
-            <a:endParaRPr lang="en-US" dirty="0"/>
-          </a:p>
-        </p:txBody>
-      </p:sp>
-      <p:pic>
-        <p:nvPicPr>
-          <p:cNvPr id="3074" name="Picture 2" descr="Samsung Galaxy A54 5G 128GB 8GB RAM Dual (A546)">
-            <a:extLst>
-              <a:ext uri="{FF2B5EF4-FFF2-40B4-BE49-F238E27FC236}">
-                <a16:creationId xmlns:a16="http://schemas.microsoft.com/office/drawing/2014/main" id="{FC230124-D0CC-3AAD-A4BA-E30D95762E53}"/>
-              </a:ext>
-            </a:extLst>
-          </p:cNvPr>
-          <p:cNvPicPr>
-            <a:picLocks noChangeAspect="1" noChangeArrowheads="1"/>
-          </p:cNvPicPr>
-          <p:nvPr/>
-        </p:nvPicPr>
-        <p:blipFill>
-          <a:blip r:embed="rId4">
-            <a:extLst>
-              <a:ext uri="{28A0092B-C50C-407E-A947-70E740481C1C}">
-                <a14:useLocalDpi xmlns:a14="http://schemas.microsoft.com/office/drawing/2010/main" val="0"/>
-              </a:ext>
-            </a:extLst>
-          </a:blip>
-          <a:srcRect/>
-          <a:stretch>
-            <a:fillRect/>
-          </a:stretch>
-        </p:blipFill>
-        <p:spPr bwMode="auto">
-          <a:xfrm>
-            <a:off x="9189745" y="108129"/>
-            <a:ext cx="1566977" cy="2019300"/>
-          </a:xfrm>
-          <a:prstGeom prst="rect">
-            <a:avLst/>
-          </a:prstGeom>
-          <a:noFill/>
-          <a:extLst>
-            <a:ext uri="{909E8E84-426E-40DD-AFC4-6F175D3DCCD1}">
-              <a14:hiddenFill xmlns:a14="http://schemas.microsoft.com/office/drawing/2010/main">
-                <a:solidFill>
-                  <a:srgbClr val="FFFFFF"/>
-                </a:solidFill>
-              </a14:hiddenFill>
-            </a:ext>
-          </a:extLst>
-        </p:spPr>
-      </p:pic>
-      <p:sp>
-        <p:nvSpPr>
-          <p:cNvPr id="13" name="Szövegdoboz 12">
-            <a:extLst>
-              <a:ext uri="{FF2B5EF4-FFF2-40B4-BE49-F238E27FC236}">
-                <a16:creationId xmlns:a16="http://schemas.microsoft.com/office/drawing/2014/main" id="{4501579F-17BA-1E36-5265-15C6993637A1}"/>
-              </a:ext>
-            </a:extLst>
-          </p:cNvPr>
-          <p:cNvSpPr txBox="1"/>
-          <p:nvPr/>
-        </p:nvSpPr>
-        <p:spPr>
-          <a:xfrm>
-            <a:off x="6344975" y="2586751"/>
-            <a:ext cx="2497970" cy="923330"/>
-          </a:xfrm>
-          <a:prstGeom prst="rect">
-            <a:avLst/>
-          </a:prstGeom>
-          <a:noFill/>
-        </p:spPr>
-        <p:txBody>
-          <a:bodyPr wrap="square" rtlCol="0">
-            <a:spAutoFit/>
-          </a:bodyPr>
-          <a:lstStyle/>
-          <a:p>
-            <a:r>
-              <a:rPr lang="hu-HU" dirty="0" err="1"/>
-              <a:t>Brother</a:t>
-            </a:r>
-            <a:r>
-              <a:rPr lang="hu-HU" dirty="0"/>
-              <a:t> HL-L3270CDW Nyomtató: </a:t>
-            </a:r>
-          </a:p>
-          <a:p>
-            <a:r>
-              <a:rPr lang="hu-HU" dirty="0"/>
-              <a:t>120548 FT</a:t>
-            </a:r>
-          </a:p>
-        </p:txBody>
-      </p:sp>
-      <p:pic>
-        <p:nvPicPr>
-          <p:cNvPr id="3076" name="Picture 4">
-            <a:extLst>
-              <a:ext uri="{FF2B5EF4-FFF2-40B4-BE49-F238E27FC236}">
-                <a16:creationId xmlns:a16="http://schemas.microsoft.com/office/drawing/2014/main" id="{35E337A8-1325-DEB7-983A-447BA58208FB}"/>
-              </a:ext>
-            </a:extLst>
-          </p:cNvPr>
-          <p:cNvPicPr>
-            <a:picLocks noChangeAspect="1" noChangeArrowheads="1"/>
-          </p:cNvPicPr>
-          <p:nvPr/>
-        </p:nvPicPr>
-        <p:blipFill>
-          <a:blip r:embed="rId5">
-            <a:extLst>
-              <a:ext uri="{28A0092B-C50C-407E-A947-70E740481C1C}">
-                <a14:useLocalDpi xmlns:a14="http://schemas.microsoft.com/office/drawing/2010/main" val="0"/>
-              </a:ext>
-            </a:extLst>
-          </a:blip>
-          <a:srcRect/>
-          <a:stretch>
-            <a:fillRect/>
-          </a:stretch>
-        </p:blipFill>
-        <p:spPr bwMode="auto">
-          <a:xfrm>
-            <a:off x="8983555" y="2425342"/>
-            <a:ext cx="3091880" cy="2473504"/>
-          </a:xfrm>
-          <a:prstGeom prst="rect">
-            <a:avLst/>
-          </a:prstGeom>
-          <a:noFill/>
-          <a:extLst>
-            <a:ext uri="{909E8E84-426E-40DD-AFC4-6F175D3DCCD1}">
-              <a14:hiddenFill xmlns:a14="http://schemas.microsoft.com/office/drawing/2010/main">
-                <a:solidFill>
-                  <a:srgbClr val="FFFFFF"/>
-                </a:solidFill>
-              </a14:hiddenFill>
-            </a:ext>
-          </a:extLst>
         </p:spPr>
       </p:pic>
     </p:spTree>
     <p:extLst>
       <p:ext uri="{BB962C8B-B14F-4D97-AF65-F5344CB8AC3E}">
-        <p14:creationId xmlns:p14="http://schemas.microsoft.com/office/powerpoint/2010/main" val="1310880514"/>
+        <p14:creationId xmlns:p14="http://schemas.microsoft.com/office/powerpoint/2010/main" val="2336574004"/>
       </p:ext>
     </p:extLst>
   </p:cSld>
   <p:clrMapOvr>
     <a:masterClrMapping/>
   </p:clrMapOvr>
+  <mc:AlternateContent xmlns:mc="http://schemas.openxmlformats.org/markup-compatibility/2006">
+    <mc:Choice xmlns:p14="http://schemas.microsoft.com/office/powerpoint/2010/main" Requires="p14">
+      <p:transition spd="slow" p14:dur="900">
+        <p14:warp dir="in"/>
+      </p:transition>
+    </mc:Choice>
+    <mc:Fallback>
+      <p:transition spd="slow">
+        <p:fade/>
+      </p:transition>
+    </mc:Fallback>
+  </mc:AlternateContent>
 </p:sld>
 </file>
 
@@ -8886,8 +6683,19 @@
           <a:p>
             <a:r>
               <a:rPr lang="hu-HU" dirty="0"/>
-              <a:t>Azért vettünk ilyen drága eszközöket mert megnyert a cég egy iroda fejlesztési pályázatot, ezekkel az eszközökkel sok ideig képesek még dolgozni. </a:t>
-            </a:r>
+              <a:t>Azért vettünk ilyen drága eszközöket mert a cég egy iroda felújítási pályázatot nyert. Fel kellet készíteni az irodákat a későbbi fejlesztésre is.</a:t>
+            </a:r>
+          </a:p>
+          <a:p>
+            <a:r>
+              <a:rPr lang="hu-HU" dirty="0"/>
+              <a:t>1 millió forintos számítógép és 600K forintos laptop azért kellett, hogy lehessen velük 3D modellezni. A másik számítógép és laptop csak irodai felhasználásra kell azért olcsóbbak.</a:t>
+            </a:r>
+          </a:p>
+          <a:p>
+            <a:endParaRPr lang="hu-HU" dirty="0"/>
+          </a:p>
+          <a:p>
             <a:endParaRPr lang="en-US" dirty="0"/>
           </a:p>
         </p:txBody>
@@ -8902,6 +6710,278 @@
   <p:clrMapOvr>
     <a:masterClrMapping/>
   </p:clrMapOvr>
+  <mc:AlternateContent xmlns:mc="http://schemas.openxmlformats.org/markup-compatibility/2006">
+    <mc:Choice xmlns:p14="http://schemas.microsoft.com/office/powerpoint/2010/main" Requires="p14">
+      <p:transition spd="slow" p14:dur="3900">
+        <p14:glitter pattern="hexagon"/>
+      </p:transition>
+    </mc:Choice>
+    <mc:Fallback>
+      <p:transition spd="slow">
+        <p:fade/>
+      </p:transition>
+    </mc:Fallback>
+  </mc:AlternateContent>
+</p:sld>
+</file>
+
+<file path=ppt/slides/slide6.xml><?xml version="1.0" encoding="utf-8"?>
+<p:sld xmlns:a="http://schemas.openxmlformats.org/drawingml/2006/main" xmlns:r="http://schemas.openxmlformats.org/officeDocument/2006/relationships" xmlns:p="http://schemas.openxmlformats.org/presentationml/2006/main">
+  <p:cSld>
+    <p:spTree>
+      <p:nvGrpSpPr>
+        <p:cNvPr id="1" name=""/>
+        <p:cNvGrpSpPr/>
+        <p:nvPr/>
+      </p:nvGrpSpPr>
+      <p:grpSpPr>
+        <a:xfrm>
+          <a:off x="0" y="0"/>
+          <a:ext cx="0" cy="0"/>
+          <a:chOff x="0" y="0"/>
+          <a:chExt cx="0" cy="0"/>
+        </a:xfrm>
+      </p:grpSpPr>
+      <p:sp>
+        <p:nvSpPr>
+          <p:cNvPr id="2" name="Cím 1">
+            <a:extLst>
+              <a:ext uri="{FF2B5EF4-FFF2-40B4-BE49-F238E27FC236}">
+                <a16:creationId xmlns:a16="http://schemas.microsoft.com/office/drawing/2014/main" id="{FF60EDC4-B7DB-4738-086E-C5CD167536D9}"/>
+              </a:ext>
+            </a:extLst>
+          </p:cNvPr>
+          <p:cNvSpPr>
+            <a:spLocks noGrp="1"/>
+          </p:cNvSpPr>
+          <p:nvPr>
+            <p:ph type="title"/>
+          </p:nvPr>
+        </p:nvSpPr>
+        <p:spPr/>
+        <p:txBody>
+          <a:bodyPr/>
+          <a:lstStyle/>
+          <a:p>
+            <a:r>
+              <a:rPr lang="hu-HU" dirty="0"/>
+              <a:t>Elképzelés				VS			Valóság</a:t>
+            </a:r>
+            <a:endParaRPr lang="en-US" dirty="0"/>
+          </a:p>
+        </p:txBody>
+      </p:sp>
+      <p:sp>
+        <p:nvSpPr>
+          <p:cNvPr id="3" name="Tartalom helye 2">
+            <a:extLst>
+              <a:ext uri="{FF2B5EF4-FFF2-40B4-BE49-F238E27FC236}">
+                <a16:creationId xmlns:a16="http://schemas.microsoft.com/office/drawing/2014/main" id="{2161276E-1FC3-4691-69EC-D7B0EBE32435}"/>
+              </a:ext>
+            </a:extLst>
+          </p:cNvPr>
+          <p:cNvSpPr>
+            <a:spLocks noGrp="1"/>
+          </p:cNvSpPr>
+          <p:nvPr>
+            <p:ph sz="half" idx="1"/>
+          </p:nvPr>
+        </p:nvSpPr>
+        <p:spPr/>
+        <p:txBody>
+          <a:bodyPr/>
+          <a:lstStyle/>
+          <a:p>
+            <a:r>
+              <a:rPr lang="hu-HU" dirty="0"/>
+              <a:t>Egy kisvállalkozás hálózatát kiépíteni, felosztani a hálózatot</a:t>
+            </a:r>
+          </a:p>
+          <a:p>
+            <a:r>
+              <a:rPr lang="hu-HU" dirty="0"/>
+              <a:t>Költségvetési terv elkészítése.</a:t>
+            </a:r>
+          </a:p>
+          <a:p>
+            <a:endParaRPr lang="hu-HU" dirty="0"/>
+          </a:p>
+          <a:p>
+            <a:r>
+              <a:rPr lang="hu-HU" dirty="0"/>
+              <a:t>PowerPoint prezentáció elkészítése.</a:t>
+            </a:r>
+          </a:p>
+          <a:p>
+            <a:endParaRPr lang="hu-HU" dirty="0"/>
+          </a:p>
+          <a:p>
+            <a:r>
+              <a:rPr lang="hu-HU" dirty="0"/>
+              <a:t>Munkamegosztás	 </a:t>
+            </a:r>
+            <a:endParaRPr lang="en-US" dirty="0"/>
+          </a:p>
+        </p:txBody>
+      </p:sp>
+      <p:sp>
+        <p:nvSpPr>
+          <p:cNvPr id="4" name="Tartalom helye 3">
+            <a:extLst>
+              <a:ext uri="{FF2B5EF4-FFF2-40B4-BE49-F238E27FC236}">
+                <a16:creationId xmlns:a16="http://schemas.microsoft.com/office/drawing/2014/main" id="{A382444D-A165-A303-63FD-034B7A832455}"/>
+              </a:ext>
+            </a:extLst>
+          </p:cNvPr>
+          <p:cNvSpPr>
+            <a:spLocks noGrp="1"/>
+          </p:cNvSpPr>
+          <p:nvPr>
+            <p:ph sz="half" idx="2"/>
+          </p:nvPr>
+        </p:nvSpPr>
+        <p:spPr/>
+        <p:txBody>
+          <a:bodyPr/>
+          <a:lstStyle/>
+          <a:p>
+            <a:r>
+              <a:rPr lang="hu-HU" dirty="0"/>
+              <a:t>Sikeresen megvalósult</a:t>
+            </a:r>
+          </a:p>
+          <a:p>
+            <a:endParaRPr lang="hu-HU" dirty="0"/>
+          </a:p>
+          <a:p>
+            <a:r>
+              <a:rPr lang="hu-HU" dirty="0"/>
+              <a:t>Sikeres volt</a:t>
+            </a:r>
+          </a:p>
+          <a:p>
+            <a:endParaRPr lang="hu-HU" dirty="0"/>
+          </a:p>
+          <a:p>
+            <a:r>
+              <a:rPr lang="hu-HU" dirty="0"/>
+              <a:t>Sikeresen megvalósult.</a:t>
+            </a:r>
+          </a:p>
+          <a:p>
+            <a:endParaRPr lang="hu-HU" dirty="0"/>
+          </a:p>
+          <a:p>
+            <a:r>
+              <a:rPr lang="hu-HU" dirty="0"/>
+              <a:t>Sikerült.</a:t>
+            </a:r>
+          </a:p>
+          <a:p>
+            <a:endParaRPr lang="hu-HU" dirty="0"/>
+          </a:p>
+          <a:p>
+            <a:endParaRPr lang="hu-HU" dirty="0"/>
+          </a:p>
+          <a:p>
+            <a:pPr marL="0" indent="0">
+              <a:buNone/>
+            </a:pPr>
+            <a:endParaRPr lang="hu-HU" dirty="0"/>
+          </a:p>
+        </p:txBody>
+      </p:sp>
+    </p:spTree>
+    <p:extLst>
+      <p:ext uri="{BB962C8B-B14F-4D97-AF65-F5344CB8AC3E}">
+        <p14:creationId xmlns:p14="http://schemas.microsoft.com/office/powerpoint/2010/main" val="2887016384"/>
+      </p:ext>
+    </p:extLst>
+  </p:cSld>
+  <p:clrMapOvr>
+    <a:masterClrMapping/>
+  </p:clrMapOvr>
+  <p:transition spd="slow">
+    <p:cover/>
+  </p:transition>
+</p:sld>
+</file>
+
+<file path=ppt/slides/slide7.xml><?xml version="1.0" encoding="utf-8"?>
+<p:sld xmlns:a="http://schemas.openxmlformats.org/drawingml/2006/main" xmlns:r="http://schemas.openxmlformats.org/officeDocument/2006/relationships" xmlns:p="http://schemas.openxmlformats.org/presentationml/2006/main">
+  <p:cSld>
+    <p:spTree>
+      <p:nvGrpSpPr>
+        <p:cNvPr id="1" name=""/>
+        <p:cNvGrpSpPr/>
+        <p:nvPr/>
+      </p:nvGrpSpPr>
+      <p:grpSpPr>
+        <a:xfrm>
+          <a:off x="0" y="0"/>
+          <a:ext cx="0" cy="0"/>
+          <a:chOff x="0" y="0"/>
+          <a:chExt cx="0" cy="0"/>
+        </a:xfrm>
+      </p:grpSpPr>
+      <p:sp>
+        <p:nvSpPr>
+          <p:cNvPr id="2" name="Cím 1">
+            <a:extLst>
+              <a:ext uri="{FF2B5EF4-FFF2-40B4-BE49-F238E27FC236}">
+                <a16:creationId xmlns:a16="http://schemas.microsoft.com/office/drawing/2014/main" id="{C97664CA-19F8-4267-4FC5-4B6F4A99DB8D}"/>
+              </a:ext>
+            </a:extLst>
+          </p:cNvPr>
+          <p:cNvSpPr>
+            <a:spLocks noGrp="1"/>
+          </p:cNvSpPr>
+          <p:nvPr>
+            <p:ph type="title"/>
+          </p:nvPr>
+        </p:nvSpPr>
+        <p:spPr>
+          <a:xfrm>
+            <a:off x="1962669" y="2768600"/>
+            <a:ext cx="8596668" cy="1320800"/>
+          </a:xfrm>
+        </p:spPr>
+        <p:txBody>
+          <a:bodyPr>
+            <a:normAutofit/>
+          </a:bodyPr>
+          <a:lstStyle/>
+          <a:p>
+            <a:r>
+              <a:rPr lang="hu-HU" sz="5600" dirty="0"/>
+              <a:t>Köszönjük a figyelmet.</a:t>
+            </a:r>
+            <a:endParaRPr lang="en-US" sz="5600" dirty="0"/>
+          </a:p>
+        </p:txBody>
+      </p:sp>
+    </p:spTree>
+    <p:extLst>
+      <p:ext uri="{BB962C8B-B14F-4D97-AF65-F5344CB8AC3E}">
+        <p14:creationId xmlns:p14="http://schemas.microsoft.com/office/powerpoint/2010/main" val="3205421746"/>
+      </p:ext>
+    </p:extLst>
+  </p:cSld>
+  <p:clrMapOvr>
+    <a:masterClrMapping/>
+  </p:clrMapOvr>
+  <mc:AlternateContent xmlns:mc="http://schemas.openxmlformats.org/markup-compatibility/2006">
+    <mc:Choice xmlns:p15="http://schemas.microsoft.com/office/powerpoint/2012/main" Requires="p15">
+      <p:transition xmlns:p14="http://schemas.microsoft.com/office/powerpoint/2010/main" spd="slow" p14:dur="2000">
+        <p15:prstTrans prst="drape"/>
+      </p:transition>
+    </mc:Choice>
+    <mc:Fallback>
+      <p:transition spd="slow">
+        <p:fade/>
+      </p:transition>
+    </mc:Fallback>
+  </mc:AlternateContent>
 </p:sld>
 </file>
 
